--- a/stats/linear-regression.pptx
+++ b/stats/linear-regression.pptx
@@ -14274,7 +14274,44 @@
                 <a:ea typeface="Calibri" panose="020F0502020204030204" pitchFamily="34" charset="0"/>
                 <a:cs typeface="Times New Roman" panose="02020603050405020304" pitchFamily="18" charset="0"/>
               </a:rPr>
-              <a:t>Match the sample size n and the Level of significance  (Probability our claims about the data are wrong) to the specific problem.</a:t>
+              <a:t>Match the sample size n and the Level of </a:t>
+            </a:r>
+            <a:r>
+              <a:rPr lang="en-US" sz="1400">
+                <a:effectLst/>
+                <a:latin typeface="Calibri" panose="020F0502020204030204" pitchFamily="34" charset="0"/>
+                <a:ea typeface="Calibri" panose="020F0502020204030204" pitchFamily="34" charset="0"/>
+                <a:cs typeface="Times New Roman" panose="02020603050405020304" pitchFamily="18" charset="0"/>
+              </a:rPr>
+              <a:t>significance </a:t>
+            </a:r>
+            <a:r>
+              <a:rPr lang="en-US" sz="1400">
+                <a:effectLst/>
+                <a:latin typeface="Calibri" panose="020F0502020204030204" pitchFamily="34" charset="0"/>
+                <a:ea typeface="Calibri" panose="020F0502020204030204" pitchFamily="34" charset="0"/>
+                <a:cs typeface="Times New Roman" panose="02020603050405020304" pitchFamily="18" charset="0"/>
+                <a:sym typeface="Wingdings" pitchFamily="2" charset="2"/>
+              </a:rPr>
+              <a:t></a:t>
+            </a:r>
+            <a:r>
+              <a:rPr lang="en-US" sz="1400">
+                <a:effectLst/>
+                <a:latin typeface="Calibri" panose="020F0502020204030204" pitchFamily="34" charset="0"/>
+                <a:ea typeface="Calibri" panose="020F0502020204030204" pitchFamily="34" charset="0"/>
+                <a:cs typeface="Times New Roman" panose="02020603050405020304" pitchFamily="18" charset="0"/>
+              </a:rPr>
+              <a:t>(</a:t>
+            </a:r>
+            <a:r>
+              <a:rPr lang="en-US" sz="1400" dirty="0">
+                <a:effectLst/>
+                <a:latin typeface="Calibri" panose="020F0502020204030204" pitchFamily="34" charset="0"/>
+                <a:ea typeface="Calibri" panose="020F0502020204030204" pitchFamily="34" charset="0"/>
+                <a:cs typeface="Times New Roman" panose="02020603050405020304" pitchFamily="18" charset="0"/>
+              </a:rPr>
+              <a:t>Probability our claims about the data are wrong) to the specific problem.</a:t>
             </a:r>
           </a:p>
           <a:p>
@@ -19165,8 +19202,8 @@
           </a:p>
         </p:txBody>
       </p:sp>
-      <mc:AlternateContent xmlns:mc="http://schemas.openxmlformats.org/markup-compatibility/2006">
-        <mc:Choice xmlns:a14="http://schemas.microsoft.com/office/drawing/2010/main" Requires="a14">
+      <mc:AlternateContent xmlns:mc="http://schemas.openxmlformats.org/markup-compatibility/2006" xmlns:a14="http://schemas.microsoft.com/office/drawing/2010/main">
+        <mc:Choice Requires="a14">
           <p:sp>
             <p:nvSpPr>
               <p:cNvPr id="7" name="Text Placeholder 1">
@@ -19516,7 +19553,7 @@
             </p:txBody>
           </p:sp>
         </mc:Choice>
-        <mc:Fallback>
+        <mc:Fallback xmlns="">
           <p:sp>
             <p:nvSpPr>
               <p:cNvPr id="7" name="Text Placeholder 1">
@@ -19881,8 +19918,8 @@
           </a:p>
         </p:txBody>
       </p:sp>
-      <mc:AlternateContent xmlns:mc="http://schemas.openxmlformats.org/markup-compatibility/2006">
-        <mc:Choice xmlns:a14="http://schemas.microsoft.com/office/drawing/2010/main" Requires="a14">
+      <mc:AlternateContent xmlns:mc="http://schemas.openxmlformats.org/markup-compatibility/2006" xmlns:a14="http://schemas.microsoft.com/office/drawing/2010/main">
+        <mc:Choice Requires="a14">
           <p:sp>
             <p:nvSpPr>
               <p:cNvPr id="3" name="TextBox 2">
@@ -19911,6 +19948,7 @@
               </a:bodyPr>
               <a:lstStyle/>
               <a:p>
+                <a:pPr/>
                 <a14:m>
                   <m:oMathPara xmlns:m="http://schemas.openxmlformats.org/officeDocument/2006/math">
                     <m:oMathParaPr>
@@ -19982,7 +20020,7 @@
             </p:txBody>
           </p:sp>
         </mc:Choice>
-        <mc:Fallback>
+        <mc:Fallback xmlns="">
           <p:sp>
             <p:nvSpPr>
               <p:cNvPr id="3" name="TextBox 2">
@@ -20062,8 +20100,8 @@
           </a:p>
         </p:txBody>
       </p:sp>
-      <mc:AlternateContent xmlns:mc="http://schemas.openxmlformats.org/markup-compatibility/2006">
-        <mc:Choice xmlns:a14="http://schemas.microsoft.com/office/drawing/2010/main" Requires="a14">
+      <mc:AlternateContent xmlns:mc="http://schemas.openxmlformats.org/markup-compatibility/2006" xmlns:a14="http://schemas.microsoft.com/office/drawing/2010/main">
+        <mc:Choice Requires="a14">
           <p:sp>
             <p:nvSpPr>
               <p:cNvPr id="6" name="TextBox 5">
@@ -20160,7 +20198,7 @@
             </p:txBody>
           </p:sp>
         </mc:Choice>
-        <mc:Fallback>
+        <mc:Fallback xmlns="">
           <p:sp>
             <p:nvSpPr>
               <p:cNvPr id="6" name="TextBox 5">
@@ -20205,8 +20243,8 @@
           </p:sp>
         </mc:Fallback>
       </mc:AlternateContent>
-      <mc:AlternateContent xmlns:mc="http://schemas.openxmlformats.org/markup-compatibility/2006">
-        <mc:Choice xmlns:a14="http://schemas.microsoft.com/office/drawing/2010/main" Requires="a14">
+      <mc:AlternateContent xmlns:mc="http://schemas.openxmlformats.org/markup-compatibility/2006" xmlns:a14="http://schemas.microsoft.com/office/drawing/2010/main">
+        <mc:Choice Requires="a14">
           <p:sp>
             <p:nvSpPr>
               <p:cNvPr id="8" name="TextBox 7">
@@ -20235,6 +20273,7 @@
               </a:bodyPr>
               <a:lstStyle/>
               <a:p>
+                <a:pPr/>
                 <a14:m>
                   <m:oMathPara xmlns:m="http://schemas.openxmlformats.org/officeDocument/2006/math">
                     <m:oMathParaPr>
@@ -20256,7 +20295,7 @@
             </p:txBody>
           </p:sp>
         </mc:Choice>
-        <mc:Fallback>
+        <mc:Fallback xmlns="">
           <p:sp>
             <p:nvSpPr>
               <p:cNvPr id="8" name="TextBox 7">
@@ -21023,8 +21062,8 @@
           </a:prstGeom>
         </p:spPr>
       </p:pic>
-      <mc:AlternateContent xmlns:mc="http://schemas.openxmlformats.org/markup-compatibility/2006">
-        <mc:Choice xmlns:a14="http://schemas.microsoft.com/office/drawing/2010/main" Requires="a14">
+      <mc:AlternateContent xmlns:mc="http://schemas.openxmlformats.org/markup-compatibility/2006" xmlns:a14="http://schemas.microsoft.com/office/drawing/2010/main">
+        <mc:Choice Requires="a14">
           <p:sp>
             <p:nvSpPr>
               <p:cNvPr id="10" name="TextBox 9">
@@ -21173,7 +21212,7 @@
             </p:txBody>
           </p:sp>
         </mc:Choice>
-        <mc:Fallback>
+        <mc:Fallback xmlns="">
           <p:sp>
             <p:nvSpPr>
               <p:cNvPr id="10" name="TextBox 9">
@@ -21723,7 +21762,19 @@
                         <a:ea typeface="Calibri" panose="020F0502020204030204" pitchFamily="34" charset="0"/>
                         <a:cs typeface="Times New Roman" panose="02020603050405020304" pitchFamily="18" charset="0"/>
                       </a:rPr>
-                      <m:t>+50.549</m:t>
+                      <m:t>+56.54</m:t>
+                    </m:r>
+                    <m:r>
+                      <a:rPr lang="en-US" sz="1400" i="1" dirty="0" smtClean="0">
+                        <a:solidFill>
+                          <a:schemeClr val="bg1"/>
+                        </a:solidFill>
+                        <a:effectLst/>
+                        <a:latin typeface="Cambria Math" panose="02040503050406030204" pitchFamily="18" charset="0"/>
+                        <a:ea typeface="Calibri" panose="020F0502020204030204" pitchFamily="34" charset="0"/>
+                        <a:cs typeface="Times New Roman" panose="02020603050405020304" pitchFamily="18" charset="0"/>
+                      </a:rPr>
+                      <m:t>9</m:t>
                     </m:r>
                   </m:oMath>
                 </a14:m>
@@ -25738,8 +25789,8 @@
             <a:chExt cx="955080" cy="497520"/>
           </a:xfrm>
         </p:grpSpPr>
-        <mc:AlternateContent xmlns:mc="http://schemas.openxmlformats.org/markup-compatibility/2006">
-          <mc:Choice xmlns:p14="http://schemas.microsoft.com/office/powerpoint/2010/main" Requires="p14">
+        <mc:AlternateContent xmlns:mc="http://schemas.openxmlformats.org/markup-compatibility/2006" xmlns:p14="http://schemas.microsoft.com/office/powerpoint/2010/main">
+          <mc:Choice Requires="p14">
             <p:contentPart p14:bwMode="auto" r:id="rId3">
               <p14:nvContentPartPr>
                 <p14:cNvPr id="6" name="Ink 5">
@@ -25758,7 +25809,7 @@
               </p14:xfrm>
             </p:contentPart>
           </mc:Choice>
-          <mc:Fallback>
+          <mc:Fallback xmlns="">
             <p:pic>
               <p:nvPicPr>
                 <p:cNvPr id="6" name="Ink 5">
@@ -25789,8 +25840,8 @@
             </p:pic>
           </mc:Fallback>
         </mc:AlternateContent>
-        <mc:AlternateContent xmlns:mc="http://schemas.openxmlformats.org/markup-compatibility/2006">
-          <mc:Choice xmlns:p14="http://schemas.microsoft.com/office/powerpoint/2010/main" Requires="p14">
+        <mc:AlternateContent xmlns:mc="http://schemas.openxmlformats.org/markup-compatibility/2006" xmlns:p14="http://schemas.microsoft.com/office/powerpoint/2010/main">
+          <mc:Choice Requires="p14">
             <p:contentPart p14:bwMode="auto" r:id="rId5">
               <p14:nvContentPartPr>
                 <p14:cNvPr id="7" name="Ink 6">
@@ -25809,7 +25860,7 @@
               </p14:xfrm>
             </p:contentPart>
           </mc:Choice>
-          <mc:Fallback>
+          <mc:Fallback xmlns="">
             <p:pic>
               <p:nvPicPr>
                 <p:cNvPr id="7" name="Ink 6">
@@ -25840,8 +25891,8 @@
             </p:pic>
           </mc:Fallback>
         </mc:AlternateContent>
-        <mc:AlternateContent xmlns:mc="http://schemas.openxmlformats.org/markup-compatibility/2006">
-          <mc:Choice xmlns:p14="http://schemas.microsoft.com/office/powerpoint/2010/main" Requires="p14">
+        <mc:AlternateContent xmlns:mc="http://schemas.openxmlformats.org/markup-compatibility/2006" xmlns:p14="http://schemas.microsoft.com/office/powerpoint/2010/main">
+          <mc:Choice Requires="p14">
             <p:contentPart p14:bwMode="auto" r:id="rId7">
               <p14:nvContentPartPr>
                 <p14:cNvPr id="8" name="Ink 7">
@@ -25860,7 +25911,7 @@
               </p14:xfrm>
             </p:contentPart>
           </mc:Choice>
-          <mc:Fallback>
+          <mc:Fallback xmlns="">
             <p:pic>
               <p:nvPicPr>
                 <p:cNvPr id="8" name="Ink 7">
@@ -25891,8 +25942,8 @@
             </p:pic>
           </mc:Fallback>
         </mc:AlternateContent>
-        <mc:AlternateContent xmlns:mc="http://schemas.openxmlformats.org/markup-compatibility/2006">
-          <mc:Choice xmlns:p14="http://schemas.microsoft.com/office/powerpoint/2010/main" Requires="p14">
+        <mc:AlternateContent xmlns:mc="http://schemas.openxmlformats.org/markup-compatibility/2006" xmlns:p14="http://schemas.microsoft.com/office/powerpoint/2010/main">
+          <mc:Choice Requires="p14">
             <p:contentPart p14:bwMode="auto" r:id="rId8">
               <p14:nvContentPartPr>
                 <p14:cNvPr id="9" name="Ink 8">
@@ -25911,7 +25962,7 @@
               </p14:xfrm>
             </p:contentPart>
           </mc:Choice>
-          <mc:Fallback>
+          <mc:Fallback xmlns="">
             <p:pic>
               <p:nvPicPr>
                 <p:cNvPr id="9" name="Ink 8">
@@ -25942,8 +25993,8 @@
             </p:pic>
           </mc:Fallback>
         </mc:AlternateContent>
-        <mc:AlternateContent xmlns:mc="http://schemas.openxmlformats.org/markup-compatibility/2006">
-          <mc:Choice xmlns:p14="http://schemas.microsoft.com/office/powerpoint/2010/main" Requires="p14">
+        <mc:AlternateContent xmlns:mc="http://schemas.openxmlformats.org/markup-compatibility/2006" xmlns:p14="http://schemas.microsoft.com/office/powerpoint/2010/main">
+          <mc:Choice Requires="p14">
             <p:contentPart p14:bwMode="auto" r:id="rId9">
               <p14:nvContentPartPr>
                 <p14:cNvPr id="10" name="Ink 9">
@@ -25962,7 +26013,7 @@
               </p14:xfrm>
             </p:contentPart>
           </mc:Choice>
-          <mc:Fallback>
+          <mc:Fallback xmlns="">
             <p:pic>
               <p:nvPicPr>
                 <p:cNvPr id="10" name="Ink 9">
@@ -25993,8 +26044,8 @@
             </p:pic>
           </mc:Fallback>
         </mc:AlternateContent>
-        <mc:AlternateContent xmlns:mc="http://schemas.openxmlformats.org/markup-compatibility/2006">
-          <mc:Choice xmlns:p14="http://schemas.microsoft.com/office/powerpoint/2010/main" Requires="p14">
+        <mc:AlternateContent xmlns:mc="http://schemas.openxmlformats.org/markup-compatibility/2006" xmlns:p14="http://schemas.microsoft.com/office/powerpoint/2010/main">
+          <mc:Choice Requires="p14">
             <p:contentPart p14:bwMode="auto" r:id="rId10">
               <p14:nvContentPartPr>
                 <p14:cNvPr id="11" name="Ink 10">
@@ -26013,7 +26064,7 @@
               </p14:xfrm>
             </p:contentPart>
           </mc:Choice>
-          <mc:Fallback>
+          <mc:Fallback xmlns="">
             <p:pic>
               <p:nvPicPr>
                 <p:cNvPr id="11" name="Ink 10">
@@ -26044,8 +26095,8 @@
             </p:pic>
           </mc:Fallback>
         </mc:AlternateContent>
-        <mc:AlternateContent xmlns:mc="http://schemas.openxmlformats.org/markup-compatibility/2006">
-          <mc:Choice xmlns:p14="http://schemas.microsoft.com/office/powerpoint/2010/main" Requires="p14">
+        <mc:AlternateContent xmlns:mc="http://schemas.openxmlformats.org/markup-compatibility/2006" xmlns:p14="http://schemas.microsoft.com/office/powerpoint/2010/main">
+          <mc:Choice Requires="p14">
             <p:contentPart p14:bwMode="auto" r:id="rId12">
               <p14:nvContentPartPr>
                 <p14:cNvPr id="12" name="Ink 11">
@@ -26064,7 +26115,7 @@
               </p14:xfrm>
             </p:contentPart>
           </mc:Choice>
-          <mc:Fallback>
+          <mc:Fallback xmlns="">
             <p:pic>
               <p:nvPicPr>
                 <p:cNvPr id="12" name="Ink 11">
@@ -26095,8 +26146,8 @@
             </p:pic>
           </mc:Fallback>
         </mc:AlternateContent>
-        <mc:AlternateContent xmlns:mc="http://schemas.openxmlformats.org/markup-compatibility/2006">
-          <mc:Choice xmlns:p14="http://schemas.microsoft.com/office/powerpoint/2010/main" Requires="p14">
+        <mc:AlternateContent xmlns:mc="http://schemas.openxmlformats.org/markup-compatibility/2006" xmlns:p14="http://schemas.microsoft.com/office/powerpoint/2010/main">
+          <mc:Choice Requires="p14">
             <p:contentPart p14:bwMode="auto" r:id="rId13">
               <p14:nvContentPartPr>
                 <p14:cNvPr id="14" name="Ink 13">
@@ -26115,7 +26166,7 @@
               </p14:xfrm>
             </p:contentPart>
           </mc:Choice>
-          <mc:Fallback>
+          <mc:Fallback xmlns="">
             <p:pic>
               <p:nvPicPr>
                 <p:cNvPr id="14" name="Ink 13">
@@ -26146,8 +26197,8 @@
             </p:pic>
           </mc:Fallback>
         </mc:AlternateContent>
-        <mc:AlternateContent xmlns:mc="http://schemas.openxmlformats.org/markup-compatibility/2006">
-          <mc:Choice xmlns:p14="http://schemas.microsoft.com/office/powerpoint/2010/main" Requires="p14">
+        <mc:AlternateContent xmlns:mc="http://schemas.openxmlformats.org/markup-compatibility/2006" xmlns:p14="http://schemas.microsoft.com/office/powerpoint/2010/main">
+          <mc:Choice Requires="p14">
             <p:contentPart p14:bwMode="auto" r:id="rId14">
               <p14:nvContentPartPr>
                 <p14:cNvPr id="15" name="Ink 14">
@@ -26166,7 +26217,7 @@
               </p14:xfrm>
             </p:contentPart>
           </mc:Choice>
-          <mc:Fallback>
+          <mc:Fallback xmlns="">
             <p:pic>
               <p:nvPicPr>
                 <p:cNvPr id="15" name="Ink 14">
@@ -26197,8 +26248,8 @@
             </p:pic>
           </mc:Fallback>
         </mc:AlternateContent>
-        <mc:AlternateContent xmlns:mc="http://schemas.openxmlformats.org/markup-compatibility/2006">
-          <mc:Choice xmlns:p14="http://schemas.microsoft.com/office/powerpoint/2010/main" Requires="p14">
+        <mc:AlternateContent xmlns:mc="http://schemas.openxmlformats.org/markup-compatibility/2006" xmlns:p14="http://schemas.microsoft.com/office/powerpoint/2010/main">
+          <mc:Choice Requires="p14">
             <p:contentPart p14:bwMode="auto" r:id="rId15">
               <p14:nvContentPartPr>
                 <p14:cNvPr id="16" name="Ink 15">
@@ -26217,7 +26268,7 @@
               </p14:xfrm>
             </p:contentPart>
           </mc:Choice>
-          <mc:Fallback>
+          <mc:Fallback xmlns="">
             <p:pic>
               <p:nvPicPr>
                 <p:cNvPr id="16" name="Ink 15">
@@ -26248,8 +26299,8 @@
             </p:pic>
           </mc:Fallback>
         </mc:AlternateContent>
-        <mc:AlternateContent xmlns:mc="http://schemas.openxmlformats.org/markup-compatibility/2006">
-          <mc:Choice xmlns:p14="http://schemas.microsoft.com/office/powerpoint/2010/main" Requires="p14">
+        <mc:AlternateContent xmlns:mc="http://schemas.openxmlformats.org/markup-compatibility/2006" xmlns:p14="http://schemas.microsoft.com/office/powerpoint/2010/main">
+          <mc:Choice Requires="p14">
             <p:contentPart p14:bwMode="auto" r:id="rId16">
               <p14:nvContentPartPr>
                 <p14:cNvPr id="17" name="Ink 16">
@@ -26268,7 +26319,7 @@
               </p14:xfrm>
             </p:contentPart>
           </mc:Choice>
-          <mc:Fallback>
+          <mc:Fallback xmlns="">
             <p:pic>
               <p:nvPicPr>
                 <p:cNvPr id="17" name="Ink 16">
@@ -26299,8 +26350,8 @@
             </p:pic>
           </mc:Fallback>
         </mc:AlternateContent>
-        <mc:AlternateContent xmlns:mc="http://schemas.openxmlformats.org/markup-compatibility/2006">
-          <mc:Choice xmlns:p14="http://schemas.microsoft.com/office/powerpoint/2010/main" Requires="p14">
+        <mc:AlternateContent xmlns:mc="http://schemas.openxmlformats.org/markup-compatibility/2006" xmlns:p14="http://schemas.microsoft.com/office/powerpoint/2010/main">
+          <mc:Choice Requires="p14">
             <p:contentPart p14:bwMode="auto" r:id="rId17">
               <p14:nvContentPartPr>
                 <p14:cNvPr id="13" name="Ink 12">
@@ -26319,7 +26370,7 @@
               </p14:xfrm>
             </p:contentPart>
           </mc:Choice>
-          <mc:Fallback>
+          <mc:Fallback xmlns="">
             <p:pic>
               <p:nvPicPr>
                 <p:cNvPr id="13" name="Ink 12">
@@ -26350,8 +26401,8 @@
             </p:pic>
           </mc:Fallback>
         </mc:AlternateContent>
-        <mc:AlternateContent xmlns:mc="http://schemas.openxmlformats.org/markup-compatibility/2006">
-          <mc:Choice xmlns:p14="http://schemas.microsoft.com/office/powerpoint/2010/main" Requires="p14">
+        <mc:AlternateContent xmlns:mc="http://schemas.openxmlformats.org/markup-compatibility/2006" xmlns:p14="http://schemas.microsoft.com/office/powerpoint/2010/main">
+          <mc:Choice Requires="p14">
             <p:contentPart p14:bwMode="auto" r:id="rId18">
               <p14:nvContentPartPr>
                 <p14:cNvPr id="18" name="Ink 17">
@@ -26370,7 +26421,7 @@
               </p14:xfrm>
             </p:contentPart>
           </mc:Choice>
-          <mc:Fallback>
+          <mc:Fallback xmlns="">
             <p:pic>
               <p:nvPicPr>
                 <p:cNvPr id="18" name="Ink 17">
@@ -26401,8 +26452,8 @@
             </p:pic>
           </mc:Fallback>
         </mc:AlternateContent>
-        <mc:AlternateContent xmlns:mc="http://schemas.openxmlformats.org/markup-compatibility/2006">
-          <mc:Choice xmlns:p14="http://schemas.microsoft.com/office/powerpoint/2010/main" Requires="p14">
+        <mc:AlternateContent xmlns:mc="http://schemas.openxmlformats.org/markup-compatibility/2006" xmlns:p14="http://schemas.microsoft.com/office/powerpoint/2010/main">
+          <mc:Choice Requires="p14">
             <p:contentPart p14:bwMode="auto" r:id="rId20">
               <p14:nvContentPartPr>
                 <p14:cNvPr id="21" name="Ink 20">
@@ -26421,7 +26472,7 @@
               </p14:xfrm>
             </p:contentPart>
           </mc:Choice>
-          <mc:Fallback>
+          <mc:Fallback xmlns="">
             <p:pic>
               <p:nvPicPr>
                 <p:cNvPr id="21" name="Ink 20">
@@ -26452,8 +26503,8 @@
             </p:pic>
           </mc:Fallback>
         </mc:AlternateContent>
-        <mc:AlternateContent xmlns:mc="http://schemas.openxmlformats.org/markup-compatibility/2006">
-          <mc:Choice xmlns:p14="http://schemas.microsoft.com/office/powerpoint/2010/main" Requires="p14">
+        <mc:AlternateContent xmlns:mc="http://schemas.openxmlformats.org/markup-compatibility/2006" xmlns:p14="http://schemas.microsoft.com/office/powerpoint/2010/main">
+          <mc:Choice Requires="p14">
             <p:contentPart p14:bwMode="auto" r:id="rId21">
               <p14:nvContentPartPr>
                 <p14:cNvPr id="26" name="Ink 25">
@@ -26472,7 +26523,7 @@
               </p14:xfrm>
             </p:contentPart>
           </mc:Choice>
-          <mc:Fallback>
+          <mc:Fallback xmlns="">
             <p:pic>
               <p:nvPicPr>
                 <p:cNvPr id="26" name="Ink 25">
@@ -26503,8 +26554,8 @@
             </p:pic>
           </mc:Fallback>
         </mc:AlternateContent>
-        <mc:AlternateContent xmlns:mc="http://schemas.openxmlformats.org/markup-compatibility/2006">
-          <mc:Choice xmlns:p14="http://schemas.microsoft.com/office/powerpoint/2010/main" Requires="p14">
+        <mc:AlternateContent xmlns:mc="http://schemas.openxmlformats.org/markup-compatibility/2006" xmlns:p14="http://schemas.microsoft.com/office/powerpoint/2010/main">
+          <mc:Choice Requires="p14">
             <p:contentPart p14:bwMode="auto" r:id="rId22">
               <p14:nvContentPartPr>
                 <p14:cNvPr id="28" name="Ink 27">
@@ -26523,7 +26574,7 @@
               </p14:xfrm>
             </p:contentPart>
           </mc:Choice>
-          <mc:Fallback>
+          <mc:Fallback xmlns="">
             <p:pic>
               <p:nvPicPr>
                 <p:cNvPr id="28" name="Ink 27">
@@ -26554,8 +26605,8 @@
             </p:pic>
           </mc:Fallback>
         </mc:AlternateContent>
-        <mc:AlternateContent xmlns:mc="http://schemas.openxmlformats.org/markup-compatibility/2006">
-          <mc:Choice xmlns:p14="http://schemas.microsoft.com/office/powerpoint/2010/main" Requires="p14">
+        <mc:AlternateContent xmlns:mc="http://schemas.openxmlformats.org/markup-compatibility/2006" xmlns:p14="http://schemas.microsoft.com/office/powerpoint/2010/main">
+          <mc:Choice Requires="p14">
             <p:contentPart p14:bwMode="auto" r:id="rId23">
               <p14:nvContentPartPr>
                 <p14:cNvPr id="29" name="Ink 28">
@@ -26574,7 +26625,7 @@
               </p14:xfrm>
             </p:contentPart>
           </mc:Choice>
-          <mc:Fallback>
+          <mc:Fallback xmlns="">
             <p:pic>
               <p:nvPicPr>
                 <p:cNvPr id="29" name="Ink 28">
@@ -26605,8 +26656,8 @@
             </p:pic>
           </mc:Fallback>
         </mc:AlternateContent>
-        <mc:AlternateContent xmlns:mc="http://schemas.openxmlformats.org/markup-compatibility/2006">
-          <mc:Choice xmlns:p14="http://schemas.microsoft.com/office/powerpoint/2010/main" Requires="p14">
+        <mc:AlternateContent xmlns:mc="http://schemas.openxmlformats.org/markup-compatibility/2006" xmlns:p14="http://schemas.microsoft.com/office/powerpoint/2010/main">
+          <mc:Choice Requires="p14">
             <p:contentPart p14:bwMode="auto" r:id="rId24">
               <p14:nvContentPartPr>
                 <p14:cNvPr id="30" name="Ink 29">
@@ -26625,7 +26676,7 @@
               </p14:xfrm>
             </p:contentPart>
           </mc:Choice>
-          <mc:Fallback>
+          <mc:Fallback xmlns="">
             <p:pic>
               <p:nvPicPr>
                 <p:cNvPr id="30" name="Ink 29">
@@ -26656,8 +26707,8 @@
             </p:pic>
           </mc:Fallback>
         </mc:AlternateContent>
-        <mc:AlternateContent xmlns:mc="http://schemas.openxmlformats.org/markup-compatibility/2006">
-          <mc:Choice xmlns:p14="http://schemas.microsoft.com/office/powerpoint/2010/main" Requires="p14">
+        <mc:AlternateContent xmlns:mc="http://schemas.openxmlformats.org/markup-compatibility/2006" xmlns:p14="http://schemas.microsoft.com/office/powerpoint/2010/main">
+          <mc:Choice Requires="p14">
             <p:contentPart p14:bwMode="auto" r:id="rId25">
               <p14:nvContentPartPr>
                 <p14:cNvPr id="31" name="Ink 30">
@@ -26676,7 +26727,7 @@
               </p14:xfrm>
             </p:contentPart>
           </mc:Choice>
-          <mc:Fallback>
+          <mc:Fallback xmlns="">
             <p:pic>
               <p:nvPicPr>
                 <p:cNvPr id="31" name="Ink 30">
@@ -26707,8 +26758,8 @@
             </p:pic>
           </mc:Fallback>
         </mc:AlternateContent>
-        <mc:AlternateContent xmlns:mc="http://schemas.openxmlformats.org/markup-compatibility/2006">
-          <mc:Choice xmlns:p14="http://schemas.microsoft.com/office/powerpoint/2010/main" Requires="p14">
+        <mc:AlternateContent xmlns:mc="http://schemas.openxmlformats.org/markup-compatibility/2006" xmlns:p14="http://schemas.microsoft.com/office/powerpoint/2010/main">
+          <mc:Choice Requires="p14">
             <p:contentPart p14:bwMode="auto" r:id="rId26">
               <p14:nvContentPartPr>
                 <p14:cNvPr id="32" name="Ink 31">
@@ -26727,7 +26778,7 @@
               </p14:xfrm>
             </p:contentPart>
           </mc:Choice>
-          <mc:Fallback>
+          <mc:Fallback xmlns="">
             <p:pic>
               <p:nvPicPr>
                 <p:cNvPr id="32" name="Ink 31">
@@ -26758,8 +26809,8 @@
             </p:pic>
           </mc:Fallback>
         </mc:AlternateContent>
-        <mc:AlternateContent xmlns:mc="http://schemas.openxmlformats.org/markup-compatibility/2006">
-          <mc:Choice xmlns:p14="http://schemas.microsoft.com/office/powerpoint/2010/main" Requires="p14">
+        <mc:AlternateContent xmlns:mc="http://schemas.openxmlformats.org/markup-compatibility/2006" xmlns:p14="http://schemas.microsoft.com/office/powerpoint/2010/main">
+          <mc:Choice Requires="p14">
             <p:contentPart p14:bwMode="auto" r:id="rId27">
               <p14:nvContentPartPr>
                 <p14:cNvPr id="33" name="Ink 32">
@@ -26778,7 +26829,7 @@
               </p14:xfrm>
             </p:contentPart>
           </mc:Choice>
-          <mc:Fallback>
+          <mc:Fallback xmlns="">
             <p:pic>
               <p:nvPicPr>
                 <p:cNvPr id="33" name="Ink 32">
@@ -26830,8 +26881,8 @@
             <a:chExt cx="651600" cy="604800"/>
           </a:xfrm>
         </p:grpSpPr>
-        <mc:AlternateContent xmlns:mc="http://schemas.openxmlformats.org/markup-compatibility/2006">
-          <mc:Choice xmlns:p14="http://schemas.microsoft.com/office/powerpoint/2010/main" Requires="p14">
+        <mc:AlternateContent xmlns:mc="http://schemas.openxmlformats.org/markup-compatibility/2006" xmlns:p14="http://schemas.microsoft.com/office/powerpoint/2010/main">
+          <mc:Choice Requires="p14">
             <p:contentPart p14:bwMode="auto" r:id="rId28">
               <p14:nvContentPartPr>
                 <p14:cNvPr id="47" name="Ink 46">
@@ -26850,7 +26901,7 @@
               </p14:xfrm>
             </p:contentPart>
           </mc:Choice>
-          <mc:Fallback>
+          <mc:Fallback xmlns="">
             <p:pic>
               <p:nvPicPr>
                 <p:cNvPr id="47" name="Ink 46">
@@ -26901,8 +26952,8 @@
               <a:chExt cx="651600" cy="566280"/>
             </a:xfrm>
           </p:grpSpPr>
-          <mc:AlternateContent xmlns:mc="http://schemas.openxmlformats.org/markup-compatibility/2006">
-            <mc:Choice xmlns:p14="http://schemas.microsoft.com/office/powerpoint/2010/main" Requires="p14">
+          <mc:AlternateContent xmlns:mc="http://schemas.openxmlformats.org/markup-compatibility/2006" xmlns:p14="http://schemas.microsoft.com/office/powerpoint/2010/main">
+            <mc:Choice Requires="p14">
               <p:contentPart p14:bwMode="auto" r:id="rId29">
                 <p14:nvContentPartPr>
                   <p14:cNvPr id="35" name="Ink 34">
@@ -26921,7 +26972,7 @@
                 </p14:xfrm>
               </p:contentPart>
             </mc:Choice>
-            <mc:Fallback>
+            <mc:Fallback xmlns="">
               <p:pic>
                 <p:nvPicPr>
                   <p:cNvPr id="35" name="Ink 34">
@@ -26952,8 +27003,8 @@
               </p:pic>
             </mc:Fallback>
           </mc:AlternateContent>
-          <mc:AlternateContent xmlns:mc="http://schemas.openxmlformats.org/markup-compatibility/2006">
-            <mc:Choice xmlns:p14="http://schemas.microsoft.com/office/powerpoint/2010/main" Requires="p14">
+          <mc:AlternateContent xmlns:mc="http://schemas.openxmlformats.org/markup-compatibility/2006" xmlns:p14="http://schemas.microsoft.com/office/powerpoint/2010/main">
+            <mc:Choice Requires="p14">
               <p:contentPart p14:bwMode="auto" r:id="rId31">
                 <p14:nvContentPartPr>
                   <p14:cNvPr id="36" name="Ink 35">
@@ -26972,7 +27023,7 @@
                 </p14:xfrm>
               </p:contentPart>
             </mc:Choice>
-            <mc:Fallback>
+            <mc:Fallback xmlns="">
               <p:pic>
                 <p:nvPicPr>
                   <p:cNvPr id="36" name="Ink 35">
@@ -27003,8 +27054,8 @@
               </p:pic>
             </mc:Fallback>
           </mc:AlternateContent>
-          <mc:AlternateContent xmlns:mc="http://schemas.openxmlformats.org/markup-compatibility/2006">
-            <mc:Choice xmlns:p14="http://schemas.microsoft.com/office/powerpoint/2010/main" Requires="p14">
+          <mc:AlternateContent xmlns:mc="http://schemas.openxmlformats.org/markup-compatibility/2006" xmlns:p14="http://schemas.microsoft.com/office/powerpoint/2010/main">
+            <mc:Choice Requires="p14">
               <p:contentPart p14:bwMode="auto" r:id="rId32">
                 <p14:nvContentPartPr>
                   <p14:cNvPr id="37" name="Ink 36">
@@ -27023,7 +27074,7 @@
                 </p14:xfrm>
               </p:contentPart>
             </mc:Choice>
-            <mc:Fallback>
+            <mc:Fallback xmlns="">
               <p:pic>
                 <p:nvPicPr>
                   <p:cNvPr id="37" name="Ink 36">
@@ -27054,8 +27105,8 @@
               </p:pic>
             </mc:Fallback>
           </mc:AlternateContent>
-          <mc:AlternateContent xmlns:mc="http://schemas.openxmlformats.org/markup-compatibility/2006">
-            <mc:Choice xmlns:p14="http://schemas.microsoft.com/office/powerpoint/2010/main" Requires="p14">
+          <mc:AlternateContent xmlns:mc="http://schemas.openxmlformats.org/markup-compatibility/2006" xmlns:p14="http://schemas.microsoft.com/office/powerpoint/2010/main">
+            <mc:Choice Requires="p14">
               <p:contentPart p14:bwMode="auto" r:id="rId33">
                 <p14:nvContentPartPr>
                   <p14:cNvPr id="38" name="Ink 37">
@@ -27074,7 +27125,7 @@
                 </p14:xfrm>
               </p:contentPart>
             </mc:Choice>
-            <mc:Fallback>
+            <mc:Fallback xmlns="">
               <p:pic>
                 <p:nvPicPr>
                   <p:cNvPr id="38" name="Ink 37">
@@ -27105,8 +27156,8 @@
               </p:pic>
             </mc:Fallback>
           </mc:AlternateContent>
-          <mc:AlternateContent xmlns:mc="http://schemas.openxmlformats.org/markup-compatibility/2006">
-            <mc:Choice xmlns:p14="http://schemas.microsoft.com/office/powerpoint/2010/main" Requires="p14">
+          <mc:AlternateContent xmlns:mc="http://schemas.openxmlformats.org/markup-compatibility/2006" xmlns:p14="http://schemas.microsoft.com/office/powerpoint/2010/main">
+            <mc:Choice Requires="p14">
               <p:contentPart p14:bwMode="auto" r:id="rId34">
                 <p14:nvContentPartPr>
                   <p14:cNvPr id="39" name="Ink 38">
@@ -27125,7 +27176,7 @@
                 </p14:xfrm>
               </p:contentPart>
             </mc:Choice>
-            <mc:Fallback>
+            <mc:Fallback xmlns="">
               <p:pic>
                 <p:nvPicPr>
                   <p:cNvPr id="39" name="Ink 38">
@@ -27156,8 +27207,8 @@
               </p:pic>
             </mc:Fallback>
           </mc:AlternateContent>
-          <mc:AlternateContent xmlns:mc="http://schemas.openxmlformats.org/markup-compatibility/2006">
-            <mc:Choice xmlns:p14="http://schemas.microsoft.com/office/powerpoint/2010/main" Requires="p14">
+          <mc:AlternateContent xmlns:mc="http://schemas.openxmlformats.org/markup-compatibility/2006" xmlns:p14="http://schemas.microsoft.com/office/powerpoint/2010/main">
+            <mc:Choice Requires="p14">
               <p:contentPart p14:bwMode="auto" r:id="rId35">
                 <p14:nvContentPartPr>
                   <p14:cNvPr id="40" name="Ink 39">
@@ -27176,7 +27227,7 @@
                 </p14:xfrm>
               </p:contentPart>
             </mc:Choice>
-            <mc:Fallback>
+            <mc:Fallback xmlns="">
               <p:pic>
                 <p:nvPicPr>
                   <p:cNvPr id="40" name="Ink 39">
@@ -27207,8 +27258,8 @@
               </p:pic>
             </mc:Fallback>
           </mc:AlternateContent>
-          <mc:AlternateContent xmlns:mc="http://schemas.openxmlformats.org/markup-compatibility/2006">
-            <mc:Choice xmlns:p14="http://schemas.microsoft.com/office/powerpoint/2010/main" Requires="p14">
+          <mc:AlternateContent xmlns:mc="http://schemas.openxmlformats.org/markup-compatibility/2006" xmlns:p14="http://schemas.microsoft.com/office/powerpoint/2010/main">
+            <mc:Choice Requires="p14">
               <p:contentPart p14:bwMode="auto" r:id="rId36">
                 <p14:nvContentPartPr>
                   <p14:cNvPr id="41" name="Ink 40">
@@ -27227,7 +27278,7 @@
                 </p14:xfrm>
               </p:contentPart>
             </mc:Choice>
-            <mc:Fallback>
+            <mc:Fallback xmlns="">
               <p:pic>
                 <p:nvPicPr>
                   <p:cNvPr id="41" name="Ink 40">
@@ -27258,8 +27309,8 @@
               </p:pic>
             </mc:Fallback>
           </mc:AlternateContent>
-          <mc:AlternateContent xmlns:mc="http://schemas.openxmlformats.org/markup-compatibility/2006">
-            <mc:Choice xmlns:p14="http://schemas.microsoft.com/office/powerpoint/2010/main" Requires="p14">
+          <mc:AlternateContent xmlns:mc="http://schemas.openxmlformats.org/markup-compatibility/2006" xmlns:p14="http://schemas.microsoft.com/office/powerpoint/2010/main">
+            <mc:Choice Requires="p14">
               <p:contentPart p14:bwMode="auto" r:id="rId37">
                 <p14:nvContentPartPr>
                   <p14:cNvPr id="42" name="Ink 41">
@@ -27278,7 +27329,7 @@
                 </p14:xfrm>
               </p:contentPart>
             </mc:Choice>
-            <mc:Fallback>
+            <mc:Fallback xmlns="">
               <p:pic>
                 <p:nvPicPr>
                   <p:cNvPr id="42" name="Ink 41">
@@ -27309,8 +27360,8 @@
               </p:pic>
             </mc:Fallback>
           </mc:AlternateContent>
-          <mc:AlternateContent xmlns:mc="http://schemas.openxmlformats.org/markup-compatibility/2006">
-            <mc:Choice xmlns:p14="http://schemas.microsoft.com/office/powerpoint/2010/main" Requires="p14">
+          <mc:AlternateContent xmlns:mc="http://schemas.openxmlformats.org/markup-compatibility/2006" xmlns:p14="http://schemas.microsoft.com/office/powerpoint/2010/main">
+            <mc:Choice Requires="p14">
               <p:contentPart p14:bwMode="auto" r:id="rId38">
                 <p14:nvContentPartPr>
                   <p14:cNvPr id="43" name="Ink 42">
@@ -27329,7 +27380,7 @@
                 </p14:xfrm>
               </p:contentPart>
             </mc:Choice>
-            <mc:Fallback>
+            <mc:Fallback xmlns="">
               <p:pic>
                 <p:nvPicPr>
                   <p:cNvPr id="43" name="Ink 42">
@@ -27360,8 +27411,8 @@
               </p:pic>
             </mc:Fallback>
           </mc:AlternateContent>
-          <mc:AlternateContent xmlns:mc="http://schemas.openxmlformats.org/markup-compatibility/2006">
-            <mc:Choice xmlns:p14="http://schemas.microsoft.com/office/powerpoint/2010/main" Requires="p14">
+          <mc:AlternateContent xmlns:mc="http://schemas.openxmlformats.org/markup-compatibility/2006" xmlns:p14="http://schemas.microsoft.com/office/powerpoint/2010/main">
+            <mc:Choice Requires="p14">
               <p:contentPart p14:bwMode="auto" r:id="rId39">
                 <p14:nvContentPartPr>
                   <p14:cNvPr id="44" name="Ink 43">
@@ -27380,7 +27431,7 @@
                 </p14:xfrm>
               </p:contentPart>
             </mc:Choice>
-            <mc:Fallback>
+            <mc:Fallback xmlns="">
               <p:pic>
                 <p:nvPicPr>
                   <p:cNvPr id="44" name="Ink 43">
@@ -27411,8 +27462,8 @@
               </p:pic>
             </mc:Fallback>
           </mc:AlternateContent>
-          <mc:AlternateContent xmlns:mc="http://schemas.openxmlformats.org/markup-compatibility/2006">
-            <mc:Choice xmlns:p14="http://schemas.microsoft.com/office/powerpoint/2010/main" Requires="p14">
+          <mc:AlternateContent xmlns:mc="http://schemas.openxmlformats.org/markup-compatibility/2006" xmlns:p14="http://schemas.microsoft.com/office/powerpoint/2010/main">
+            <mc:Choice Requires="p14">
               <p:contentPart p14:bwMode="auto" r:id="rId41">
                 <p14:nvContentPartPr>
                   <p14:cNvPr id="45" name="Ink 44">
@@ -27431,7 +27482,7 @@
                 </p14:xfrm>
               </p:contentPart>
             </mc:Choice>
-            <mc:Fallback>
+            <mc:Fallback xmlns="">
               <p:pic>
                 <p:nvPicPr>
                   <p:cNvPr id="45" name="Ink 44">
@@ -27462,8 +27513,8 @@
               </p:pic>
             </mc:Fallback>
           </mc:AlternateContent>
-          <mc:AlternateContent xmlns:mc="http://schemas.openxmlformats.org/markup-compatibility/2006">
-            <mc:Choice xmlns:p14="http://schemas.microsoft.com/office/powerpoint/2010/main" Requires="p14">
+          <mc:AlternateContent xmlns:mc="http://schemas.openxmlformats.org/markup-compatibility/2006" xmlns:p14="http://schemas.microsoft.com/office/powerpoint/2010/main">
+            <mc:Choice Requires="p14">
               <p:contentPart p14:bwMode="auto" r:id="rId43">
                 <p14:nvContentPartPr>
                   <p14:cNvPr id="46" name="Ink 45">
@@ -27482,7 +27533,7 @@
                 </p14:xfrm>
               </p:contentPart>
             </mc:Choice>
-            <mc:Fallback>
+            <mc:Fallback xmlns="">
               <p:pic>
                 <p:nvPicPr>
                   <p:cNvPr id="46" name="Ink 45">
@@ -27513,8 +27564,8 @@
               </p:pic>
             </mc:Fallback>
           </mc:AlternateContent>
-          <mc:AlternateContent xmlns:mc="http://schemas.openxmlformats.org/markup-compatibility/2006">
-            <mc:Choice xmlns:p14="http://schemas.microsoft.com/office/powerpoint/2010/main" Requires="p14">
+          <mc:AlternateContent xmlns:mc="http://schemas.openxmlformats.org/markup-compatibility/2006" xmlns:p14="http://schemas.microsoft.com/office/powerpoint/2010/main">
+            <mc:Choice Requires="p14">
               <p:contentPart p14:bwMode="auto" r:id="rId44">
                 <p14:nvContentPartPr>
                   <p14:cNvPr id="48" name="Ink 47">
@@ -27533,7 +27584,7 @@
                 </p14:xfrm>
               </p:contentPart>
             </mc:Choice>
-            <mc:Fallback>
+            <mc:Fallback xmlns="">
               <p:pic>
                 <p:nvPicPr>
                   <p:cNvPr id="48" name="Ink 47">
@@ -27564,8 +27615,8 @@
               </p:pic>
             </mc:Fallback>
           </mc:AlternateContent>
-          <mc:AlternateContent xmlns:mc="http://schemas.openxmlformats.org/markup-compatibility/2006">
-            <mc:Choice xmlns:p14="http://schemas.microsoft.com/office/powerpoint/2010/main" Requires="p14">
+          <mc:AlternateContent xmlns:mc="http://schemas.openxmlformats.org/markup-compatibility/2006" xmlns:p14="http://schemas.microsoft.com/office/powerpoint/2010/main">
+            <mc:Choice Requires="p14">
               <p:contentPart p14:bwMode="auto" r:id="rId45">
                 <p14:nvContentPartPr>
                   <p14:cNvPr id="49" name="Ink 48">
@@ -27584,7 +27635,7 @@
                 </p14:xfrm>
               </p:contentPart>
             </mc:Choice>
-            <mc:Fallback>
+            <mc:Fallback xmlns="">
               <p:pic>
                 <p:nvPicPr>
                   <p:cNvPr id="49" name="Ink 48">
@@ -27615,8 +27666,8 @@
               </p:pic>
             </mc:Fallback>
           </mc:AlternateContent>
-          <mc:AlternateContent xmlns:mc="http://schemas.openxmlformats.org/markup-compatibility/2006">
-            <mc:Choice xmlns:p14="http://schemas.microsoft.com/office/powerpoint/2010/main" Requires="p14">
+          <mc:AlternateContent xmlns:mc="http://schemas.openxmlformats.org/markup-compatibility/2006" xmlns:p14="http://schemas.microsoft.com/office/powerpoint/2010/main">
+            <mc:Choice Requires="p14">
               <p:contentPart p14:bwMode="auto" r:id="rId46">
                 <p14:nvContentPartPr>
                   <p14:cNvPr id="50" name="Ink 49">
@@ -27635,7 +27686,7 @@
                 </p14:xfrm>
               </p:contentPart>
             </mc:Choice>
-            <mc:Fallback>
+            <mc:Fallback xmlns="">
               <p:pic>
                 <p:nvPicPr>
                   <p:cNvPr id="50" name="Ink 49">
@@ -27666,8 +27717,8 @@
               </p:pic>
             </mc:Fallback>
           </mc:AlternateContent>
-          <mc:AlternateContent xmlns:mc="http://schemas.openxmlformats.org/markup-compatibility/2006">
-            <mc:Choice xmlns:p14="http://schemas.microsoft.com/office/powerpoint/2010/main" Requires="p14">
+          <mc:AlternateContent xmlns:mc="http://schemas.openxmlformats.org/markup-compatibility/2006" xmlns:p14="http://schemas.microsoft.com/office/powerpoint/2010/main">
+            <mc:Choice Requires="p14">
               <p:contentPart p14:bwMode="auto" r:id="rId47">
                 <p14:nvContentPartPr>
                   <p14:cNvPr id="51" name="Ink 50">
@@ -27686,7 +27737,7 @@
                 </p14:xfrm>
               </p:contentPart>
             </mc:Choice>
-            <mc:Fallback>
+            <mc:Fallback xmlns="">
               <p:pic>
                 <p:nvPicPr>
                   <p:cNvPr id="51" name="Ink 50">
@@ -27717,8 +27768,8 @@
               </p:pic>
             </mc:Fallback>
           </mc:AlternateContent>
-          <mc:AlternateContent xmlns:mc="http://schemas.openxmlformats.org/markup-compatibility/2006">
-            <mc:Choice xmlns:p14="http://schemas.microsoft.com/office/powerpoint/2010/main" Requires="p14">
+          <mc:AlternateContent xmlns:mc="http://schemas.openxmlformats.org/markup-compatibility/2006" xmlns:p14="http://schemas.microsoft.com/office/powerpoint/2010/main">
+            <mc:Choice Requires="p14">
               <p:contentPart p14:bwMode="auto" r:id="rId48">
                 <p14:nvContentPartPr>
                   <p14:cNvPr id="52" name="Ink 51">
@@ -27737,7 +27788,7 @@
                 </p14:xfrm>
               </p:contentPart>
             </mc:Choice>
-            <mc:Fallback>
+            <mc:Fallback xmlns="">
               <p:pic>
                 <p:nvPicPr>
                   <p:cNvPr id="52" name="Ink 51">
@@ -27768,8 +27819,8 @@
               </p:pic>
             </mc:Fallback>
           </mc:AlternateContent>
-          <mc:AlternateContent xmlns:mc="http://schemas.openxmlformats.org/markup-compatibility/2006">
-            <mc:Choice xmlns:p14="http://schemas.microsoft.com/office/powerpoint/2010/main" Requires="p14">
+          <mc:AlternateContent xmlns:mc="http://schemas.openxmlformats.org/markup-compatibility/2006" xmlns:p14="http://schemas.microsoft.com/office/powerpoint/2010/main">
+            <mc:Choice Requires="p14">
               <p:contentPart p14:bwMode="auto" r:id="rId49">
                 <p14:nvContentPartPr>
                   <p14:cNvPr id="53" name="Ink 52">
@@ -27788,7 +27839,7 @@
                 </p14:xfrm>
               </p:contentPart>
             </mc:Choice>
-            <mc:Fallback>
+            <mc:Fallback xmlns="">
               <p:pic>
                 <p:nvPicPr>
                   <p:cNvPr id="53" name="Ink 52">
@@ -27841,8 +27892,8 @@
             <a:chExt cx="536400" cy="424800"/>
           </a:xfrm>
         </p:grpSpPr>
-        <mc:AlternateContent xmlns:mc="http://schemas.openxmlformats.org/markup-compatibility/2006">
-          <mc:Choice xmlns:p14="http://schemas.microsoft.com/office/powerpoint/2010/main" Requires="p14">
+        <mc:AlternateContent xmlns:mc="http://schemas.openxmlformats.org/markup-compatibility/2006" xmlns:p14="http://schemas.microsoft.com/office/powerpoint/2010/main">
+          <mc:Choice Requires="p14">
             <p:contentPart p14:bwMode="auto" r:id="rId50">
               <p14:nvContentPartPr>
                 <p14:cNvPr id="57" name="Ink 56">
@@ -27861,7 +27912,7 @@
               </p14:xfrm>
             </p:contentPart>
           </mc:Choice>
-          <mc:Fallback>
+          <mc:Fallback xmlns="">
             <p:pic>
               <p:nvPicPr>
                 <p:cNvPr id="57" name="Ink 56">
@@ -27892,8 +27943,8 @@
             </p:pic>
           </mc:Fallback>
         </mc:AlternateContent>
-        <mc:AlternateContent xmlns:mc="http://schemas.openxmlformats.org/markup-compatibility/2006">
-          <mc:Choice xmlns:p14="http://schemas.microsoft.com/office/powerpoint/2010/main" Requires="p14">
+        <mc:AlternateContent xmlns:mc="http://schemas.openxmlformats.org/markup-compatibility/2006" xmlns:p14="http://schemas.microsoft.com/office/powerpoint/2010/main">
+          <mc:Choice Requires="p14">
             <p:contentPart p14:bwMode="auto" r:id="rId51">
               <p14:nvContentPartPr>
                 <p14:cNvPr id="58" name="Ink 57">
@@ -27912,7 +27963,7 @@
               </p14:xfrm>
             </p:contentPart>
           </mc:Choice>
-          <mc:Fallback>
+          <mc:Fallback xmlns="">
             <p:pic>
               <p:nvPicPr>
                 <p:cNvPr id="58" name="Ink 57">
@@ -27943,8 +27994,8 @@
             </p:pic>
           </mc:Fallback>
         </mc:AlternateContent>
-        <mc:AlternateContent xmlns:mc="http://schemas.openxmlformats.org/markup-compatibility/2006">
-          <mc:Choice xmlns:p14="http://schemas.microsoft.com/office/powerpoint/2010/main" Requires="p14">
+        <mc:AlternateContent xmlns:mc="http://schemas.openxmlformats.org/markup-compatibility/2006" xmlns:p14="http://schemas.microsoft.com/office/powerpoint/2010/main">
+          <mc:Choice Requires="p14">
             <p:contentPart p14:bwMode="auto" r:id="rId52">
               <p14:nvContentPartPr>
                 <p14:cNvPr id="59" name="Ink 58">
@@ -27963,7 +28014,7 @@
               </p14:xfrm>
             </p:contentPart>
           </mc:Choice>
-          <mc:Fallback>
+          <mc:Fallback xmlns="">
             <p:pic>
               <p:nvPicPr>
                 <p:cNvPr id="59" name="Ink 58">
@@ -27994,8 +28045,8 @@
             </p:pic>
           </mc:Fallback>
         </mc:AlternateContent>
-        <mc:AlternateContent xmlns:mc="http://schemas.openxmlformats.org/markup-compatibility/2006">
-          <mc:Choice xmlns:p14="http://schemas.microsoft.com/office/powerpoint/2010/main" Requires="p14">
+        <mc:AlternateContent xmlns:mc="http://schemas.openxmlformats.org/markup-compatibility/2006" xmlns:p14="http://schemas.microsoft.com/office/powerpoint/2010/main">
+          <mc:Choice Requires="p14">
             <p:contentPart p14:bwMode="auto" r:id="rId53">
               <p14:nvContentPartPr>
                 <p14:cNvPr id="61" name="Ink 60">
@@ -28014,7 +28065,7 @@
               </p14:xfrm>
             </p:contentPart>
           </mc:Choice>
-          <mc:Fallback>
+          <mc:Fallback xmlns="">
             <p:pic>
               <p:nvPicPr>
                 <p:cNvPr id="61" name="Ink 60">
@@ -28045,8 +28096,8 @@
             </p:pic>
           </mc:Fallback>
         </mc:AlternateContent>
-        <mc:AlternateContent xmlns:mc="http://schemas.openxmlformats.org/markup-compatibility/2006">
-          <mc:Choice xmlns:p14="http://schemas.microsoft.com/office/powerpoint/2010/main" Requires="p14">
+        <mc:AlternateContent xmlns:mc="http://schemas.openxmlformats.org/markup-compatibility/2006" xmlns:p14="http://schemas.microsoft.com/office/powerpoint/2010/main">
+          <mc:Choice Requires="p14">
             <p:contentPart p14:bwMode="auto" r:id="rId54">
               <p14:nvContentPartPr>
                 <p14:cNvPr id="62" name="Ink 61">
@@ -28065,7 +28116,7 @@
               </p14:xfrm>
             </p:contentPart>
           </mc:Choice>
-          <mc:Fallback>
+          <mc:Fallback xmlns="">
             <p:pic>
               <p:nvPicPr>
                 <p:cNvPr id="62" name="Ink 61">
@@ -28096,8 +28147,8 @@
             </p:pic>
           </mc:Fallback>
         </mc:AlternateContent>
-        <mc:AlternateContent xmlns:mc="http://schemas.openxmlformats.org/markup-compatibility/2006">
-          <mc:Choice xmlns:p14="http://schemas.microsoft.com/office/powerpoint/2010/main" Requires="p14">
+        <mc:AlternateContent xmlns:mc="http://schemas.openxmlformats.org/markup-compatibility/2006" xmlns:p14="http://schemas.microsoft.com/office/powerpoint/2010/main">
+          <mc:Choice Requires="p14">
             <p:contentPart p14:bwMode="auto" r:id="rId55">
               <p14:nvContentPartPr>
                 <p14:cNvPr id="192" name="Ink 191">
@@ -28116,7 +28167,7 @@
               </p14:xfrm>
             </p:contentPart>
           </mc:Choice>
-          <mc:Fallback>
+          <mc:Fallback xmlns="">
             <p:pic>
               <p:nvPicPr>
                 <p:cNvPr id="192" name="Ink 191">
@@ -28147,8 +28198,8 @@
             </p:pic>
           </mc:Fallback>
         </mc:AlternateContent>
-        <mc:AlternateContent xmlns:mc="http://schemas.openxmlformats.org/markup-compatibility/2006">
-          <mc:Choice xmlns:p14="http://schemas.microsoft.com/office/powerpoint/2010/main" Requires="p14">
+        <mc:AlternateContent xmlns:mc="http://schemas.openxmlformats.org/markup-compatibility/2006" xmlns:p14="http://schemas.microsoft.com/office/powerpoint/2010/main">
+          <mc:Choice Requires="p14">
             <p:contentPart p14:bwMode="auto" r:id="rId57">
               <p14:nvContentPartPr>
                 <p14:cNvPr id="195" name="Ink 194">
@@ -28167,7 +28218,7 @@
               </p14:xfrm>
             </p:contentPart>
           </mc:Choice>
-          <mc:Fallback>
+          <mc:Fallback xmlns="">
             <p:pic>
               <p:nvPicPr>
                 <p:cNvPr id="195" name="Ink 194">
@@ -28198,8 +28249,8 @@
             </p:pic>
           </mc:Fallback>
         </mc:AlternateContent>
-        <mc:AlternateContent xmlns:mc="http://schemas.openxmlformats.org/markup-compatibility/2006">
-          <mc:Choice xmlns:p14="http://schemas.microsoft.com/office/powerpoint/2010/main" Requires="p14">
+        <mc:AlternateContent xmlns:mc="http://schemas.openxmlformats.org/markup-compatibility/2006" xmlns:p14="http://schemas.microsoft.com/office/powerpoint/2010/main">
+          <mc:Choice Requires="p14">
             <p:contentPart p14:bwMode="auto" r:id="rId59">
               <p14:nvContentPartPr>
                 <p14:cNvPr id="198" name="Ink 197">
@@ -28218,7 +28269,7 @@
               </p14:xfrm>
             </p:contentPart>
           </mc:Choice>
-          <mc:Fallback>
+          <mc:Fallback xmlns="">
             <p:pic>
               <p:nvPicPr>
                 <p:cNvPr id="198" name="Ink 197">
@@ -28249,8 +28300,8 @@
             </p:pic>
           </mc:Fallback>
         </mc:AlternateContent>
-        <mc:AlternateContent xmlns:mc="http://schemas.openxmlformats.org/markup-compatibility/2006">
-          <mc:Choice xmlns:p14="http://schemas.microsoft.com/office/powerpoint/2010/main" Requires="p14">
+        <mc:AlternateContent xmlns:mc="http://schemas.openxmlformats.org/markup-compatibility/2006" xmlns:p14="http://schemas.microsoft.com/office/powerpoint/2010/main">
+          <mc:Choice Requires="p14">
             <p:contentPart p14:bwMode="auto" r:id="rId60">
               <p14:nvContentPartPr>
                 <p14:cNvPr id="199" name="Ink 198">
@@ -28269,7 +28320,7 @@
               </p14:xfrm>
             </p:contentPart>
           </mc:Choice>
-          <mc:Fallback>
+          <mc:Fallback xmlns="">
             <p:pic>
               <p:nvPicPr>
                 <p:cNvPr id="199" name="Ink 198">
@@ -28300,8 +28351,8 @@
             </p:pic>
           </mc:Fallback>
         </mc:AlternateContent>
-        <mc:AlternateContent xmlns:mc="http://schemas.openxmlformats.org/markup-compatibility/2006">
-          <mc:Choice xmlns:p14="http://schemas.microsoft.com/office/powerpoint/2010/main" Requires="p14">
+        <mc:AlternateContent xmlns:mc="http://schemas.openxmlformats.org/markup-compatibility/2006" xmlns:p14="http://schemas.microsoft.com/office/powerpoint/2010/main">
+          <mc:Choice Requires="p14">
             <p:contentPart p14:bwMode="auto" r:id="rId61">
               <p14:nvContentPartPr>
                 <p14:cNvPr id="200" name="Ink 199">
@@ -28320,7 +28371,7 @@
               </p14:xfrm>
             </p:contentPart>
           </mc:Choice>
-          <mc:Fallback>
+          <mc:Fallback xmlns="">
             <p:pic>
               <p:nvPicPr>
                 <p:cNvPr id="200" name="Ink 199">
@@ -28351,8 +28402,8 @@
             </p:pic>
           </mc:Fallback>
         </mc:AlternateContent>
-        <mc:AlternateContent xmlns:mc="http://schemas.openxmlformats.org/markup-compatibility/2006">
-          <mc:Choice xmlns:p14="http://schemas.microsoft.com/office/powerpoint/2010/main" Requires="p14">
+        <mc:AlternateContent xmlns:mc="http://schemas.openxmlformats.org/markup-compatibility/2006" xmlns:p14="http://schemas.microsoft.com/office/powerpoint/2010/main">
+          <mc:Choice Requires="p14">
             <p:contentPart p14:bwMode="auto" r:id="rId62">
               <p14:nvContentPartPr>
                 <p14:cNvPr id="203" name="Ink 202">
@@ -28371,7 +28422,7 @@
               </p14:xfrm>
             </p:contentPart>
           </mc:Choice>
-          <mc:Fallback>
+          <mc:Fallback xmlns="">
             <p:pic>
               <p:nvPicPr>
                 <p:cNvPr id="203" name="Ink 202">
@@ -28402,8 +28453,8 @@
             </p:pic>
           </mc:Fallback>
         </mc:AlternateContent>
-        <mc:AlternateContent xmlns:mc="http://schemas.openxmlformats.org/markup-compatibility/2006">
-          <mc:Choice xmlns:p14="http://schemas.microsoft.com/office/powerpoint/2010/main" Requires="p14">
+        <mc:AlternateContent xmlns:mc="http://schemas.openxmlformats.org/markup-compatibility/2006" xmlns:p14="http://schemas.microsoft.com/office/powerpoint/2010/main">
+          <mc:Choice Requires="p14">
             <p:contentPart p14:bwMode="auto" r:id="rId63">
               <p14:nvContentPartPr>
                 <p14:cNvPr id="204" name="Ink 203">
@@ -28422,7 +28473,7 @@
               </p14:xfrm>
             </p:contentPart>
           </mc:Choice>
-          <mc:Fallback>
+          <mc:Fallback xmlns="">
             <p:pic>
               <p:nvPicPr>
                 <p:cNvPr id="204" name="Ink 203">
@@ -28473,8 +28524,8 @@
               <a:chExt cx="12600" cy="18000"/>
             </a:xfrm>
           </p:grpSpPr>
-          <mc:AlternateContent xmlns:mc="http://schemas.openxmlformats.org/markup-compatibility/2006">
-            <mc:Choice xmlns:p14="http://schemas.microsoft.com/office/powerpoint/2010/main" Requires="p14">
+          <mc:AlternateContent xmlns:mc="http://schemas.openxmlformats.org/markup-compatibility/2006" xmlns:p14="http://schemas.microsoft.com/office/powerpoint/2010/main">
+            <mc:Choice Requires="p14">
               <p:contentPart p14:bwMode="auto" r:id="rId64">
                 <p14:nvContentPartPr>
                   <p14:cNvPr id="60" name="Ink 59">
@@ -28493,7 +28544,7 @@
                 </p14:xfrm>
               </p:contentPart>
             </mc:Choice>
-            <mc:Fallback>
+            <mc:Fallback xmlns="">
               <p:pic>
                 <p:nvPicPr>
                   <p:cNvPr id="60" name="Ink 59">
@@ -28524,8 +28575,8 @@
               </p:pic>
             </mc:Fallback>
           </mc:AlternateContent>
-          <mc:AlternateContent xmlns:mc="http://schemas.openxmlformats.org/markup-compatibility/2006">
-            <mc:Choice xmlns:p14="http://schemas.microsoft.com/office/powerpoint/2010/main" Requires="p14">
+          <mc:AlternateContent xmlns:mc="http://schemas.openxmlformats.org/markup-compatibility/2006" xmlns:p14="http://schemas.microsoft.com/office/powerpoint/2010/main">
+            <mc:Choice Requires="p14">
               <p:contentPart p14:bwMode="auto" r:id="rId65">
                 <p14:nvContentPartPr>
                   <p14:cNvPr id="63" name="Ink 62">
@@ -28544,7 +28595,7 @@
                 </p14:xfrm>
               </p:contentPart>
             </mc:Choice>
-            <mc:Fallback>
+            <mc:Fallback xmlns="">
               <p:pic>
                 <p:nvPicPr>
                   <p:cNvPr id="63" name="Ink 62">
@@ -28575,8 +28626,8 @@
               </p:pic>
             </mc:Fallback>
           </mc:AlternateContent>
-          <mc:AlternateContent xmlns:mc="http://schemas.openxmlformats.org/markup-compatibility/2006">
-            <mc:Choice xmlns:p14="http://schemas.microsoft.com/office/powerpoint/2010/main" Requires="p14">
+          <mc:AlternateContent xmlns:mc="http://schemas.openxmlformats.org/markup-compatibility/2006" xmlns:p14="http://schemas.microsoft.com/office/powerpoint/2010/main">
+            <mc:Choice Requires="p14">
               <p:contentPart p14:bwMode="auto" r:id="rId66">
                 <p14:nvContentPartPr>
                   <p14:cNvPr id="205" name="Ink 204">
@@ -28595,7 +28646,7 @@
                 </p14:xfrm>
               </p:contentPart>
             </mc:Choice>
-            <mc:Fallback>
+            <mc:Fallback xmlns="">
               <p:pic>
                 <p:nvPicPr>
                   <p:cNvPr id="205" name="Ink 204">
@@ -28627,8 +28678,8 @@
             </mc:Fallback>
           </mc:AlternateContent>
         </p:grpSp>
-        <mc:AlternateContent xmlns:mc="http://schemas.openxmlformats.org/markup-compatibility/2006">
-          <mc:Choice xmlns:p14="http://schemas.microsoft.com/office/powerpoint/2010/main" Requires="p14">
+        <mc:AlternateContent xmlns:mc="http://schemas.openxmlformats.org/markup-compatibility/2006" xmlns:p14="http://schemas.microsoft.com/office/powerpoint/2010/main">
+          <mc:Choice Requires="p14">
             <p:contentPart p14:bwMode="auto" r:id="rId67">
               <p14:nvContentPartPr>
                 <p14:cNvPr id="210" name="Ink 209">
@@ -28647,7 +28698,7 @@
               </p14:xfrm>
             </p:contentPart>
           </mc:Choice>
-          <mc:Fallback>
+          <mc:Fallback xmlns="">
             <p:pic>
               <p:nvPicPr>
                 <p:cNvPr id="210" name="Ink 209">
@@ -28678,8 +28729,8 @@
             </p:pic>
           </mc:Fallback>
         </mc:AlternateContent>
-        <mc:AlternateContent xmlns:mc="http://schemas.openxmlformats.org/markup-compatibility/2006">
-          <mc:Choice xmlns:p14="http://schemas.microsoft.com/office/powerpoint/2010/main" Requires="p14">
+        <mc:AlternateContent xmlns:mc="http://schemas.openxmlformats.org/markup-compatibility/2006" xmlns:p14="http://schemas.microsoft.com/office/powerpoint/2010/main">
+          <mc:Choice Requires="p14">
             <p:contentPart p14:bwMode="auto" r:id="rId69">
               <p14:nvContentPartPr>
                 <p14:cNvPr id="211" name="Ink 210">
@@ -28698,7 +28749,7 @@
               </p14:xfrm>
             </p:contentPart>
           </mc:Choice>
-          <mc:Fallback>
+          <mc:Fallback xmlns="">
             <p:pic>
               <p:nvPicPr>
                 <p:cNvPr id="211" name="Ink 210">
@@ -28729,8 +28780,8 @@
             </p:pic>
           </mc:Fallback>
         </mc:AlternateContent>
-        <mc:AlternateContent xmlns:mc="http://schemas.openxmlformats.org/markup-compatibility/2006">
-          <mc:Choice xmlns:p14="http://schemas.microsoft.com/office/powerpoint/2010/main" Requires="p14">
+        <mc:AlternateContent xmlns:mc="http://schemas.openxmlformats.org/markup-compatibility/2006" xmlns:p14="http://schemas.microsoft.com/office/powerpoint/2010/main">
+          <mc:Choice Requires="p14">
             <p:contentPart p14:bwMode="auto" r:id="rId71">
               <p14:nvContentPartPr>
                 <p14:cNvPr id="214" name="Ink 213">
@@ -28749,7 +28800,7 @@
               </p14:xfrm>
             </p:contentPart>
           </mc:Choice>
-          <mc:Fallback>
+          <mc:Fallback xmlns="">
             <p:pic>
               <p:nvPicPr>
                 <p:cNvPr id="214" name="Ink 213">
@@ -28780,8 +28831,8 @@
             </p:pic>
           </mc:Fallback>
         </mc:AlternateContent>
-        <mc:AlternateContent xmlns:mc="http://schemas.openxmlformats.org/markup-compatibility/2006">
-          <mc:Choice xmlns:p14="http://schemas.microsoft.com/office/powerpoint/2010/main" Requires="p14">
+        <mc:AlternateContent xmlns:mc="http://schemas.openxmlformats.org/markup-compatibility/2006" xmlns:p14="http://schemas.microsoft.com/office/powerpoint/2010/main">
+          <mc:Choice Requires="p14">
             <p:contentPart p14:bwMode="auto" r:id="rId72">
               <p14:nvContentPartPr>
                 <p14:cNvPr id="215" name="Ink 214">
@@ -28800,7 +28851,7 @@
               </p14:xfrm>
             </p:contentPart>
           </mc:Choice>
-          <mc:Fallback>
+          <mc:Fallback xmlns="">
             <p:pic>
               <p:nvPicPr>
                 <p:cNvPr id="215" name="Ink 214">
@@ -28851,8 +28902,8 @@
               <a:chExt cx="94680" cy="88920"/>
             </a:xfrm>
           </p:grpSpPr>
-          <mc:AlternateContent xmlns:mc="http://schemas.openxmlformats.org/markup-compatibility/2006">
-            <mc:Choice xmlns:p14="http://schemas.microsoft.com/office/powerpoint/2010/main" Requires="p14">
+          <mc:AlternateContent xmlns:mc="http://schemas.openxmlformats.org/markup-compatibility/2006" xmlns:p14="http://schemas.microsoft.com/office/powerpoint/2010/main">
+            <mc:Choice Requires="p14">
               <p:contentPart p14:bwMode="auto" r:id="rId73">
                 <p14:nvContentPartPr>
                   <p14:cNvPr id="206" name="Ink 205">
@@ -28871,7 +28922,7 @@
                 </p14:xfrm>
               </p:contentPart>
             </mc:Choice>
-            <mc:Fallback>
+            <mc:Fallback xmlns="">
               <p:pic>
                 <p:nvPicPr>
                   <p:cNvPr id="206" name="Ink 205">
@@ -28902,8 +28953,8 @@
               </p:pic>
             </mc:Fallback>
           </mc:AlternateContent>
-          <mc:AlternateContent xmlns:mc="http://schemas.openxmlformats.org/markup-compatibility/2006">
-            <mc:Choice xmlns:p14="http://schemas.microsoft.com/office/powerpoint/2010/main" Requires="p14">
+          <mc:AlternateContent xmlns:mc="http://schemas.openxmlformats.org/markup-compatibility/2006" xmlns:p14="http://schemas.microsoft.com/office/powerpoint/2010/main">
+            <mc:Choice Requires="p14">
               <p:contentPart p14:bwMode="auto" r:id="rId74">
                 <p14:nvContentPartPr>
                   <p14:cNvPr id="207" name="Ink 206">
@@ -28922,7 +28973,7 @@
                 </p14:xfrm>
               </p:contentPart>
             </mc:Choice>
-            <mc:Fallback>
+            <mc:Fallback xmlns="">
               <p:pic>
                 <p:nvPicPr>
                   <p:cNvPr id="207" name="Ink 206">
@@ -28953,8 +29004,8 @@
               </p:pic>
             </mc:Fallback>
           </mc:AlternateContent>
-          <mc:AlternateContent xmlns:mc="http://schemas.openxmlformats.org/markup-compatibility/2006">
-            <mc:Choice xmlns:p14="http://schemas.microsoft.com/office/powerpoint/2010/main" Requires="p14">
+          <mc:AlternateContent xmlns:mc="http://schemas.openxmlformats.org/markup-compatibility/2006" xmlns:p14="http://schemas.microsoft.com/office/powerpoint/2010/main">
+            <mc:Choice Requires="p14">
               <p:contentPart p14:bwMode="auto" r:id="rId75">
                 <p14:nvContentPartPr>
                   <p14:cNvPr id="216" name="Ink 215">
@@ -28973,7 +29024,7 @@
                 </p14:xfrm>
               </p:contentPart>
             </mc:Choice>
-            <mc:Fallback>
+            <mc:Fallback xmlns="">
               <p:pic>
                 <p:nvPicPr>
                   <p:cNvPr id="216" name="Ink 215">
@@ -29004,8 +29055,8 @@
               </p:pic>
             </mc:Fallback>
           </mc:AlternateContent>
-          <mc:AlternateContent xmlns:mc="http://schemas.openxmlformats.org/markup-compatibility/2006">
-            <mc:Choice xmlns:p14="http://schemas.microsoft.com/office/powerpoint/2010/main" Requires="p14">
+          <mc:AlternateContent xmlns:mc="http://schemas.openxmlformats.org/markup-compatibility/2006" xmlns:p14="http://schemas.microsoft.com/office/powerpoint/2010/main">
+            <mc:Choice Requires="p14">
               <p:contentPart p14:bwMode="auto" r:id="rId77">
                 <p14:nvContentPartPr>
                   <p14:cNvPr id="217" name="Ink 216">
@@ -29024,7 +29075,7 @@
                 </p14:xfrm>
               </p:contentPart>
             </mc:Choice>
-            <mc:Fallback>
+            <mc:Fallback xmlns="">
               <p:pic>
                 <p:nvPicPr>
                   <p:cNvPr id="217" name="Ink 216">
@@ -29056,8 +29107,8 @@
             </mc:Fallback>
           </mc:AlternateContent>
         </p:grpSp>
-        <mc:AlternateContent xmlns:mc="http://schemas.openxmlformats.org/markup-compatibility/2006">
-          <mc:Choice xmlns:p14="http://schemas.microsoft.com/office/powerpoint/2010/main" Requires="p14">
+        <mc:AlternateContent xmlns:mc="http://schemas.openxmlformats.org/markup-compatibility/2006" xmlns:p14="http://schemas.microsoft.com/office/powerpoint/2010/main">
+          <mc:Choice Requires="p14">
             <p:contentPart p14:bwMode="auto" r:id="rId79">
               <p14:nvContentPartPr>
                 <p14:cNvPr id="218" name="Ink 217">
@@ -29076,7 +29127,7 @@
               </p14:xfrm>
             </p:contentPart>
           </mc:Choice>
-          <mc:Fallback>
+          <mc:Fallback xmlns="">
             <p:pic>
               <p:nvPicPr>
                 <p:cNvPr id="218" name="Ink 217">
@@ -29107,8 +29158,8 @@
             </p:pic>
           </mc:Fallback>
         </mc:AlternateContent>
-        <mc:AlternateContent xmlns:mc="http://schemas.openxmlformats.org/markup-compatibility/2006">
-          <mc:Choice xmlns:p14="http://schemas.microsoft.com/office/powerpoint/2010/main" Requires="p14">
+        <mc:AlternateContent xmlns:mc="http://schemas.openxmlformats.org/markup-compatibility/2006" xmlns:p14="http://schemas.microsoft.com/office/powerpoint/2010/main">
+          <mc:Choice Requires="p14">
             <p:contentPart p14:bwMode="auto" r:id="rId80">
               <p14:nvContentPartPr>
                 <p14:cNvPr id="219" name="Ink 218">
@@ -29127,7 +29178,7 @@
               </p14:xfrm>
             </p:contentPart>
           </mc:Choice>
-          <mc:Fallback>
+          <mc:Fallback xmlns="">
             <p:pic>
               <p:nvPicPr>
                 <p:cNvPr id="219" name="Ink 218">
@@ -29158,8 +29209,8 @@
             </p:pic>
           </mc:Fallback>
         </mc:AlternateContent>
-        <mc:AlternateContent xmlns:mc="http://schemas.openxmlformats.org/markup-compatibility/2006">
-          <mc:Choice xmlns:p14="http://schemas.microsoft.com/office/powerpoint/2010/main" Requires="p14">
+        <mc:AlternateContent xmlns:mc="http://schemas.openxmlformats.org/markup-compatibility/2006" xmlns:p14="http://schemas.microsoft.com/office/powerpoint/2010/main">
+          <mc:Choice Requires="p14">
             <p:contentPart p14:bwMode="auto" r:id="rId81">
               <p14:nvContentPartPr>
                 <p14:cNvPr id="220" name="Ink 219">
@@ -29178,7 +29229,7 @@
               </p14:xfrm>
             </p:contentPart>
           </mc:Choice>
-          <mc:Fallback>
+          <mc:Fallback xmlns="">
             <p:pic>
               <p:nvPicPr>
                 <p:cNvPr id="220" name="Ink 219">
@@ -29209,8 +29260,8 @@
             </p:pic>
           </mc:Fallback>
         </mc:AlternateContent>
-        <mc:AlternateContent xmlns:mc="http://schemas.openxmlformats.org/markup-compatibility/2006">
-          <mc:Choice xmlns:p14="http://schemas.microsoft.com/office/powerpoint/2010/main" Requires="p14">
+        <mc:AlternateContent xmlns:mc="http://schemas.openxmlformats.org/markup-compatibility/2006" xmlns:p14="http://schemas.microsoft.com/office/powerpoint/2010/main">
+          <mc:Choice Requires="p14">
             <p:contentPart p14:bwMode="auto" r:id="rId82">
               <p14:nvContentPartPr>
                 <p14:cNvPr id="221" name="Ink 220">
@@ -29229,7 +29280,7 @@
               </p14:xfrm>
             </p:contentPart>
           </mc:Choice>
-          <mc:Fallback>
+          <mc:Fallback xmlns="">
             <p:pic>
               <p:nvPicPr>
                 <p:cNvPr id="221" name="Ink 220">
@@ -29280,8 +29331,8 @@
               <a:chExt cx="202320" cy="116640"/>
             </a:xfrm>
           </p:grpSpPr>
-          <mc:AlternateContent xmlns:mc="http://schemas.openxmlformats.org/markup-compatibility/2006">
-            <mc:Choice xmlns:p14="http://schemas.microsoft.com/office/powerpoint/2010/main" Requires="p14">
+          <mc:AlternateContent xmlns:mc="http://schemas.openxmlformats.org/markup-compatibility/2006" xmlns:p14="http://schemas.microsoft.com/office/powerpoint/2010/main">
+            <mc:Choice Requires="p14">
               <p:contentPart p14:bwMode="auto" r:id="rId83">
                 <p14:nvContentPartPr>
                   <p14:cNvPr id="56" name="Ink 55">
@@ -29300,7 +29351,7 @@
                 </p14:xfrm>
               </p:contentPart>
             </mc:Choice>
-            <mc:Fallback>
+            <mc:Fallback xmlns="">
               <p:pic>
                 <p:nvPicPr>
                   <p:cNvPr id="56" name="Ink 55">
@@ -29331,8 +29382,8 @@
               </p:pic>
             </mc:Fallback>
           </mc:AlternateContent>
-          <mc:AlternateContent xmlns:mc="http://schemas.openxmlformats.org/markup-compatibility/2006">
-            <mc:Choice xmlns:p14="http://schemas.microsoft.com/office/powerpoint/2010/main" Requires="p14">
+          <mc:AlternateContent xmlns:mc="http://schemas.openxmlformats.org/markup-compatibility/2006" xmlns:p14="http://schemas.microsoft.com/office/powerpoint/2010/main">
+            <mc:Choice Requires="p14">
               <p:contentPart p14:bwMode="auto" r:id="rId84">
                 <p14:nvContentPartPr>
                   <p14:cNvPr id="196" name="Ink 195">
@@ -29351,7 +29402,7 @@
                 </p14:xfrm>
               </p:contentPart>
             </mc:Choice>
-            <mc:Fallback>
+            <mc:Fallback xmlns="">
               <p:pic>
                 <p:nvPicPr>
                   <p:cNvPr id="196" name="Ink 195">
@@ -29382,8 +29433,8 @@
               </p:pic>
             </mc:Fallback>
           </mc:AlternateContent>
-          <mc:AlternateContent xmlns:mc="http://schemas.openxmlformats.org/markup-compatibility/2006">
-            <mc:Choice xmlns:p14="http://schemas.microsoft.com/office/powerpoint/2010/main" Requires="p14">
+          <mc:AlternateContent xmlns:mc="http://schemas.openxmlformats.org/markup-compatibility/2006" xmlns:p14="http://schemas.microsoft.com/office/powerpoint/2010/main">
+            <mc:Choice Requires="p14">
               <p:contentPart p14:bwMode="auto" r:id="rId85">
                 <p14:nvContentPartPr>
                   <p14:cNvPr id="197" name="Ink 196">
@@ -29402,7 +29453,7 @@
                 </p14:xfrm>
               </p:contentPart>
             </mc:Choice>
-            <mc:Fallback>
+            <mc:Fallback xmlns="">
               <p:pic>
                 <p:nvPicPr>
                   <p:cNvPr id="197" name="Ink 196">
@@ -29433,8 +29484,8 @@
               </p:pic>
             </mc:Fallback>
           </mc:AlternateContent>
-          <mc:AlternateContent xmlns:mc="http://schemas.openxmlformats.org/markup-compatibility/2006">
-            <mc:Choice xmlns:p14="http://schemas.microsoft.com/office/powerpoint/2010/main" Requires="p14">
+          <mc:AlternateContent xmlns:mc="http://schemas.openxmlformats.org/markup-compatibility/2006" xmlns:p14="http://schemas.microsoft.com/office/powerpoint/2010/main">
+            <mc:Choice Requires="p14">
               <p:contentPart p14:bwMode="auto" r:id="rId86">
                 <p14:nvContentPartPr>
                   <p14:cNvPr id="201" name="Ink 200">
@@ -29453,7 +29504,7 @@
                 </p14:xfrm>
               </p:contentPart>
             </mc:Choice>
-            <mc:Fallback>
+            <mc:Fallback xmlns="">
               <p:pic>
                 <p:nvPicPr>
                   <p:cNvPr id="201" name="Ink 200">
@@ -29484,8 +29535,8 @@
               </p:pic>
             </mc:Fallback>
           </mc:AlternateContent>
-          <mc:AlternateContent xmlns:mc="http://schemas.openxmlformats.org/markup-compatibility/2006">
-            <mc:Choice xmlns:p14="http://schemas.microsoft.com/office/powerpoint/2010/main" Requires="p14">
+          <mc:AlternateContent xmlns:mc="http://schemas.openxmlformats.org/markup-compatibility/2006" xmlns:p14="http://schemas.microsoft.com/office/powerpoint/2010/main">
+            <mc:Choice Requires="p14">
               <p:contentPart p14:bwMode="auto" r:id="rId87">
                 <p14:nvContentPartPr>
                   <p14:cNvPr id="202" name="Ink 201">
@@ -29504,7 +29555,7 @@
                 </p14:xfrm>
               </p:contentPart>
             </mc:Choice>
-            <mc:Fallback>
+            <mc:Fallback xmlns="">
               <p:pic>
                 <p:nvPicPr>
                   <p:cNvPr id="202" name="Ink 201">
@@ -29535,8 +29586,8 @@
               </p:pic>
             </mc:Fallback>
           </mc:AlternateContent>
-          <mc:AlternateContent xmlns:mc="http://schemas.openxmlformats.org/markup-compatibility/2006">
-            <mc:Choice xmlns:p14="http://schemas.microsoft.com/office/powerpoint/2010/main" Requires="p14">
+          <mc:AlternateContent xmlns:mc="http://schemas.openxmlformats.org/markup-compatibility/2006" xmlns:p14="http://schemas.microsoft.com/office/powerpoint/2010/main">
+            <mc:Choice Requires="p14">
               <p:contentPart p14:bwMode="auto" r:id="rId89">
                 <p14:nvContentPartPr>
                   <p14:cNvPr id="212" name="Ink 211">
@@ -29555,7 +29606,7 @@
                 </p14:xfrm>
               </p:contentPart>
             </mc:Choice>
-            <mc:Fallback>
+            <mc:Fallback xmlns="">
               <p:pic>
                 <p:nvPicPr>
                   <p:cNvPr id="212" name="Ink 211">
@@ -29586,8 +29637,8 @@
               </p:pic>
             </mc:Fallback>
           </mc:AlternateContent>
-          <mc:AlternateContent xmlns:mc="http://schemas.openxmlformats.org/markup-compatibility/2006">
-            <mc:Choice xmlns:p14="http://schemas.microsoft.com/office/powerpoint/2010/main" Requires="p14">
+          <mc:AlternateContent xmlns:mc="http://schemas.openxmlformats.org/markup-compatibility/2006" xmlns:p14="http://schemas.microsoft.com/office/powerpoint/2010/main">
+            <mc:Choice Requires="p14">
               <p:contentPart p14:bwMode="auto" r:id="rId90">
                 <p14:nvContentPartPr>
                   <p14:cNvPr id="213" name="Ink 212">
@@ -29606,7 +29657,7 @@
                 </p14:xfrm>
               </p:contentPart>
             </mc:Choice>
-            <mc:Fallback>
+            <mc:Fallback xmlns="">
               <p:pic>
                 <p:nvPicPr>
                   <p:cNvPr id="213" name="Ink 212">
@@ -29637,8 +29688,8 @@
               </p:pic>
             </mc:Fallback>
           </mc:AlternateContent>
-          <mc:AlternateContent xmlns:mc="http://schemas.openxmlformats.org/markup-compatibility/2006">
-            <mc:Choice xmlns:p14="http://schemas.microsoft.com/office/powerpoint/2010/main" Requires="p14">
+          <mc:AlternateContent xmlns:mc="http://schemas.openxmlformats.org/markup-compatibility/2006" xmlns:p14="http://schemas.microsoft.com/office/powerpoint/2010/main">
+            <mc:Choice Requires="p14">
               <p:contentPart p14:bwMode="auto" r:id="rId92">
                 <p14:nvContentPartPr>
                   <p14:cNvPr id="223" name="Ink 222">
@@ -29657,7 +29708,7 @@
                 </p14:xfrm>
               </p:contentPart>
             </mc:Choice>
-            <mc:Fallback>
+            <mc:Fallback xmlns="">
               <p:pic>
                 <p:nvPicPr>
                   <p:cNvPr id="223" name="Ink 222">
@@ -29688,8 +29739,8 @@
               </p:pic>
             </mc:Fallback>
           </mc:AlternateContent>
-          <mc:AlternateContent xmlns:mc="http://schemas.openxmlformats.org/markup-compatibility/2006">
-            <mc:Choice xmlns:p14="http://schemas.microsoft.com/office/powerpoint/2010/main" Requires="p14">
+          <mc:AlternateContent xmlns:mc="http://schemas.openxmlformats.org/markup-compatibility/2006" xmlns:p14="http://schemas.microsoft.com/office/powerpoint/2010/main">
+            <mc:Choice Requires="p14">
               <p:contentPart p14:bwMode="auto" r:id="rId93">
                 <p14:nvContentPartPr>
                   <p14:cNvPr id="222" name="Ink 221">
@@ -29708,7 +29759,7 @@
                 </p14:xfrm>
               </p:contentPart>
             </mc:Choice>
-            <mc:Fallback>
+            <mc:Fallback xmlns="">
               <p:pic>
                 <p:nvPicPr>
                   <p:cNvPr id="222" name="Ink 221">
@@ -29739,8 +29790,8 @@
               </p:pic>
             </mc:Fallback>
           </mc:AlternateContent>
-          <mc:AlternateContent xmlns:mc="http://schemas.openxmlformats.org/markup-compatibility/2006">
-            <mc:Choice xmlns:p14="http://schemas.microsoft.com/office/powerpoint/2010/main" Requires="p14">
+          <mc:AlternateContent xmlns:mc="http://schemas.openxmlformats.org/markup-compatibility/2006" xmlns:p14="http://schemas.microsoft.com/office/powerpoint/2010/main">
+            <mc:Choice Requires="p14">
               <p:contentPart p14:bwMode="auto" r:id="rId94">
                 <p14:nvContentPartPr>
                   <p14:cNvPr id="224" name="Ink 223">
@@ -29759,7 +29810,7 @@
                 </p14:xfrm>
               </p:contentPart>
             </mc:Choice>
-            <mc:Fallback>
+            <mc:Fallback xmlns="">
               <p:pic>
                 <p:nvPicPr>
                   <p:cNvPr id="224" name="Ink 223">
@@ -29811,8 +29862,8 @@
               <a:chExt cx="20520" cy="20520"/>
             </a:xfrm>
           </p:grpSpPr>
-          <mc:AlternateContent xmlns:mc="http://schemas.openxmlformats.org/markup-compatibility/2006">
-            <mc:Choice xmlns:p14="http://schemas.microsoft.com/office/powerpoint/2010/main" Requires="p14">
+          <mc:AlternateContent xmlns:mc="http://schemas.openxmlformats.org/markup-compatibility/2006" xmlns:p14="http://schemas.microsoft.com/office/powerpoint/2010/main">
+            <mc:Choice Requires="p14">
               <p:contentPart p14:bwMode="auto" r:id="rId95">
                 <p14:nvContentPartPr>
                   <p14:cNvPr id="225" name="Ink 224">
@@ -29831,7 +29882,7 @@
                 </p14:xfrm>
               </p:contentPart>
             </mc:Choice>
-            <mc:Fallback>
+            <mc:Fallback xmlns="">
               <p:pic>
                 <p:nvPicPr>
                   <p:cNvPr id="225" name="Ink 224">
@@ -29862,8 +29913,8 @@
               </p:pic>
             </mc:Fallback>
           </mc:AlternateContent>
-          <mc:AlternateContent xmlns:mc="http://schemas.openxmlformats.org/markup-compatibility/2006">
-            <mc:Choice xmlns:p14="http://schemas.microsoft.com/office/powerpoint/2010/main" Requires="p14">
+          <mc:AlternateContent xmlns:mc="http://schemas.openxmlformats.org/markup-compatibility/2006" xmlns:p14="http://schemas.microsoft.com/office/powerpoint/2010/main">
+            <mc:Choice Requires="p14">
               <p:contentPart p14:bwMode="auto" r:id="rId97">
                 <p14:nvContentPartPr>
                   <p14:cNvPr id="226" name="Ink 225">
@@ -29882,7 +29933,7 @@
                 </p14:xfrm>
               </p:contentPart>
             </mc:Choice>
-            <mc:Fallback>
+            <mc:Fallback xmlns="">
               <p:pic>
                 <p:nvPicPr>
                   <p:cNvPr id="226" name="Ink 225">
@@ -29914,8 +29965,8 @@
             </mc:Fallback>
           </mc:AlternateContent>
         </p:grpSp>
-        <mc:AlternateContent xmlns:mc="http://schemas.openxmlformats.org/markup-compatibility/2006">
-          <mc:Choice xmlns:p14="http://schemas.microsoft.com/office/powerpoint/2010/main" Requires="p14">
+        <mc:AlternateContent xmlns:mc="http://schemas.openxmlformats.org/markup-compatibility/2006" xmlns:p14="http://schemas.microsoft.com/office/powerpoint/2010/main">
+          <mc:Choice Requires="p14">
             <p:contentPart p14:bwMode="auto" r:id="rId98">
               <p14:nvContentPartPr>
                 <p14:cNvPr id="228" name="Ink 227">
@@ -29934,7 +29985,7 @@
               </p14:xfrm>
             </p:contentPart>
           </mc:Choice>
-          <mc:Fallback>
+          <mc:Fallback xmlns="">
             <p:pic>
               <p:nvPicPr>
                 <p:cNvPr id="228" name="Ink 227">
@@ -29985,8 +30036,8 @@
               <a:chExt cx="83160" cy="104760"/>
             </a:xfrm>
           </p:grpSpPr>
-          <mc:AlternateContent xmlns:mc="http://schemas.openxmlformats.org/markup-compatibility/2006">
-            <mc:Choice xmlns:p14="http://schemas.microsoft.com/office/powerpoint/2010/main" Requires="p14">
+          <mc:AlternateContent xmlns:mc="http://schemas.openxmlformats.org/markup-compatibility/2006" xmlns:p14="http://schemas.microsoft.com/office/powerpoint/2010/main">
+            <mc:Choice Requires="p14">
               <p:contentPart p14:bwMode="auto" r:id="rId99">
                 <p14:nvContentPartPr>
                   <p14:cNvPr id="193" name="Ink 192">
@@ -30005,7 +30056,7 @@
                 </p14:xfrm>
               </p:contentPart>
             </mc:Choice>
-            <mc:Fallback>
+            <mc:Fallback xmlns="">
               <p:pic>
                 <p:nvPicPr>
                   <p:cNvPr id="193" name="Ink 192">
@@ -30036,8 +30087,8 @@
               </p:pic>
             </mc:Fallback>
           </mc:AlternateContent>
-          <mc:AlternateContent xmlns:mc="http://schemas.openxmlformats.org/markup-compatibility/2006">
-            <mc:Choice xmlns:p14="http://schemas.microsoft.com/office/powerpoint/2010/main" Requires="p14">
+          <mc:AlternateContent xmlns:mc="http://schemas.openxmlformats.org/markup-compatibility/2006" xmlns:p14="http://schemas.microsoft.com/office/powerpoint/2010/main">
+            <mc:Choice Requires="p14">
               <p:contentPart p14:bwMode="auto" r:id="rId100">
                 <p14:nvContentPartPr>
                   <p14:cNvPr id="194" name="Ink 193">
@@ -30056,7 +30107,7 @@
                 </p14:xfrm>
               </p:contentPart>
             </mc:Choice>
-            <mc:Fallback>
+            <mc:Fallback xmlns="">
               <p:pic>
                 <p:nvPicPr>
                   <p:cNvPr id="194" name="Ink 193">
@@ -30087,8 +30138,8 @@
               </p:pic>
             </mc:Fallback>
           </mc:AlternateContent>
-          <mc:AlternateContent xmlns:mc="http://schemas.openxmlformats.org/markup-compatibility/2006">
-            <mc:Choice xmlns:p14="http://schemas.microsoft.com/office/powerpoint/2010/main" Requires="p14">
+          <mc:AlternateContent xmlns:mc="http://schemas.openxmlformats.org/markup-compatibility/2006" xmlns:p14="http://schemas.microsoft.com/office/powerpoint/2010/main">
+            <mc:Choice Requires="p14">
               <p:contentPart p14:bwMode="auto" r:id="rId102">
                 <p14:nvContentPartPr>
                   <p14:cNvPr id="208" name="Ink 207">
@@ -30107,7 +30158,7 @@
                 </p14:xfrm>
               </p:contentPart>
             </mc:Choice>
-            <mc:Fallback>
+            <mc:Fallback xmlns="">
               <p:pic>
                 <p:nvPicPr>
                   <p:cNvPr id="208" name="Ink 207">
@@ -30138,8 +30189,8 @@
               </p:pic>
             </mc:Fallback>
           </mc:AlternateContent>
-          <mc:AlternateContent xmlns:mc="http://schemas.openxmlformats.org/markup-compatibility/2006">
-            <mc:Choice xmlns:p14="http://schemas.microsoft.com/office/powerpoint/2010/main" Requires="p14">
+          <mc:AlternateContent xmlns:mc="http://schemas.openxmlformats.org/markup-compatibility/2006" xmlns:p14="http://schemas.microsoft.com/office/powerpoint/2010/main">
+            <mc:Choice Requires="p14">
               <p:contentPart p14:bwMode="auto" r:id="rId104">
                 <p14:nvContentPartPr>
                   <p14:cNvPr id="209" name="Ink 208">
@@ -30158,7 +30209,7 @@
                 </p14:xfrm>
               </p:contentPart>
             </mc:Choice>
-            <mc:Fallback>
+            <mc:Fallback xmlns="">
               <p:pic>
                 <p:nvPicPr>
                   <p:cNvPr id="209" name="Ink 208">
@@ -30189,8 +30240,8 @@
               </p:pic>
             </mc:Fallback>
           </mc:AlternateContent>
-          <mc:AlternateContent xmlns:mc="http://schemas.openxmlformats.org/markup-compatibility/2006">
-            <mc:Choice xmlns:p14="http://schemas.microsoft.com/office/powerpoint/2010/main" Requires="p14">
+          <mc:AlternateContent xmlns:mc="http://schemas.openxmlformats.org/markup-compatibility/2006" xmlns:p14="http://schemas.microsoft.com/office/powerpoint/2010/main">
+            <mc:Choice Requires="p14">
               <p:contentPart p14:bwMode="auto" r:id="rId106">
                 <p14:nvContentPartPr>
                   <p14:cNvPr id="229" name="Ink 228">
@@ -30209,7 +30260,7 @@
                 </p14:xfrm>
               </p:contentPart>
             </mc:Choice>
-            <mc:Fallback>
+            <mc:Fallback xmlns="">
               <p:pic>
                 <p:nvPicPr>
                   <p:cNvPr id="229" name="Ink 228">
@@ -30241,8 +30292,8 @@
             </mc:Fallback>
           </mc:AlternateContent>
         </p:grpSp>
-        <mc:AlternateContent xmlns:mc="http://schemas.openxmlformats.org/markup-compatibility/2006">
-          <mc:Choice xmlns:p14="http://schemas.microsoft.com/office/powerpoint/2010/main" Requires="p14">
+        <mc:AlternateContent xmlns:mc="http://schemas.openxmlformats.org/markup-compatibility/2006" xmlns:p14="http://schemas.microsoft.com/office/powerpoint/2010/main">
+          <mc:Choice Requires="p14">
             <p:contentPart p14:bwMode="auto" r:id="rId107">
               <p14:nvContentPartPr>
                 <p14:cNvPr id="230" name="Ink 229">
@@ -30261,7 +30312,7 @@
               </p14:xfrm>
             </p:contentPart>
           </mc:Choice>
-          <mc:Fallback>
+          <mc:Fallback xmlns="">
             <p:pic>
               <p:nvPicPr>
                 <p:cNvPr id="230" name="Ink 229">
@@ -30292,8 +30343,8 @@
             </p:pic>
           </mc:Fallback>
         </mc:AlternateContent>
-        <mc:AlternateContent xmlns:mc="http://schemas.openxmlformats.org/markup-compatibility/2006">
-          <mc:Choice xmlns:p14="http://schemas.microsoft.com/office/powerpoint/2010/main" Requires="p14">
+        <mc:AlternateContent xmlns:mc="http://schemas.openxmlformats.org/markup-compatibility/2006" xmlns:p14="http://schemas.microsoft.com/office/powerpoint/2010/main">
+          <mc:Choice Requires="p14">
             <p:contentPart p14:bwMode="auto" r:id="rId108">
               <p14:nvContentPartPr>
                 <p14:cNvPr id="231" name="Ink 230">
@@ -30312,7 +30363,7 @@
               </p14:xfrm>
             </p:contentPart>
           </mc:Choice>
-          <mc:Fallback>
+          <mc:Fallback xmlns="">
             <p:pic>
               <p:nvPicPr>
                 <p:cNvPr id="231" name="Ink 230">
@@ -30343,8 +30394,8 @@
             </p:pic>
           </mc:Fallback>
         </mc:AlternateContent>
-        <mc:AlternateContent xmlns:mc="http://schemas.openxmlformats.org/markup-compatibility/2006">
-          <mc:Choice xmlns:p14="http://schemas.microsoft.com/office/powerpoint/2010/main" Requires="p14">
+        <mc:AlternateContent xmlns:mc="http://schemas.openxmlformats.org/markup-compatibility/2006" xmlns:p14="http://schemas.microsoft.com/office/powerpoint/2010/main">
+          <mc:Choice Requires="p14">
             <p:contentPart p14:bwMode="auto" r:id="rId110">
               <p14:nvContentPartPr>
                 <p14:cNvPr id="232" name="Ink 231">
@@ -30363,7 +30414,7 @@
               </p14:xfrm>
             </p:contentPart>
           </mc:Choice>
-          <mc:Fallback>
+          <mc:Fallback xmlns="">
             <p:pic>
               <p:nvPicPr>
                 <p:cNvPr id="232" name="Ink 231">
